--- a/李/frogil(1).pptx
+++ b/李/frogil(1).pptx
@@ -14,6 +14,9 @@
     <p:sldId id="260" r:id="rId8"/>
     <p:sldId id="261" r:id="rId9"/>
     <p:sldId id="264" r:id="rId10"/>
+    <p:sldId id="266" r:id="rId11"/>
+    <p:sldId id="267" r:id="rId12"/>
+    <p:sldId id="268" r:id="rId13"/>
   </p:sldIdLst>
   <p:sldSz cx="12192000" cy="6858000"/>
   <p:notesSz cx="6858000" cy="9144000"/>
@@ -249,7 +252,7 @@
           <a:p>
             <a:fld id="{85C2224E-383E-4FDB-91AD-1EF158CE8B36}" type="datetimeFigureOut">
               <a:rPr kumimoji="1" lang="ja-JP" altLang="en-US" smtClean="0"/>
-              <a:t>2020/4/2</a:t>
+              <a:t>2020/4/11</a:t>
             </a:fld>
             <a:endParaRPr kumimoji="1" lang="ja-JP" altLang="en-US"/>
           </a:p>
@@ -449,7 +452,7 @@
           <a:p>
             <a:fld id="{85C2224E-383E-4FDB-91AD-1EF158CE8B36}" type="datetimeFigureOut">
               <a:rPr kumimoji="1" lang="ja-JP" altLang="en-US" smtClean="0"/>
-              <a:t>2020/4/2</a:t>
+              <a:t>2020/4/11</a:t>
             </a:fld>
             <a:endParaRPr kumimoji="1" lang="ja-JP" altLang="en-US"/>
           </a:p>
@@ -659,7 +662,7 @@
           <a:p>
             <a:fld id="{85C2224E-383E-4FDB-91AD-1EF158CE8B36}" type="datetimeFigureOut">
               <a:rPr kumimoji="1" lang="ja-JP" altLang="en-US" smtClean="0"/>
-              <a:t>2020/4/2</a:t>
+              <a:t>2020/4/11</a:t>
             </a:fld>
             <a:endParaRPr kumimoji="1" lang="ja-JP" altLang="en-US"/>
           </a:p>
@@ -859,7 +862,7 @@
           <a:p>
             <a:fld id="{85C2224E-383E-4FDB-91AD-1EF158CE8B36}" type="datetimeFigureOut">
               <a:rPr kumimoji="1" lang="ja-JP" altLang="en-US" smtClean="0"/>
-              <a:t>2020/4/2</a:t>
+              <a:t>2020/4/11</a:t>
             </a:fld>
             <a:endParaRPr kumimoji="1" lang="ja-JP" altLang="en-US"/>
           </a:p>
@@ -1104,7 +1107,7 @@
           <a:p>
             <a:fld id="{85C2224E-383E-4FDB-91AD-1EF158CE8B36}" type="datetimeFigureOut">
               <a:rPr kumimoji="1" lang="ja-JP" altLang="en-US" smtClean="0"/>
-              <a:t>2020/4/2</a:t>
+              <a:t>2020/4/11</a:t>
             </a:fld>
             <a:endParaRPr kumimoji="1" lang="ja-JP" altLang="en-US"/>
           </a:p>
@@ -1397,7 +1400,7 @@
           <a:p>
             <a:fld id="{85C2224E-383E-4FDB-91AD-1EF158CE8B36}" type="datetimeFigureOut">
               <a:rPr kumimoji="1" lang="ja-JP" altLang="en-US" smtClean="0"/>
-              <a:t>2020/4/2</a:t>
+              <a:t>2020/4/11</a:t>
             </a:fld>
             <a:endParaRPr kumimoji="1" lang="ja-JP" altLang="en-US"/>
           </a:p>
@@ -1825,7 +1828,7 @@
           <a:p>
             <a:fld id="{85C2224E-383E-4FDB-91AD-1EF158CE8B36}" type="datetimeFigureOut">
               <a:rPr kumimoji="1" lang="ja-JP" altLang="en-US" smtClean="0"/>
-              <a:t>2020/4/2</a:t>
+              <a:t>2020/4/11</a:t>
             </a:fld>
             <a:endParaRPr kumimoji="1" lang="ja-JP" altLang="en-US"/>
           </a:p>
@@ -1942,7 +1945,7 @@
           <a:p>
             <a:fld id="{85C2224E-383E-4FDB-91AD-1EF158CE8B36}" type="datetimeFigureOut">
               <a:rPr kumimoji="1" lang="ja-JP" altLang="en-US" smtClean="0"/>
-              <a:t>2020/4/2</a:t>
+              <a:t>2020/4/11</a:t>
             </a:fld>
             <a:endParaRPr kumimoji="1" lang="ja-JP" altLang="en-US"/>
           </a:p>
@@ -2037,7 +2040,7 @@
           <a:p>
             <a:fld id="{85C2224E-383E-4FDB-91AD-1EF158CE8B36}" type="datetimeFigureOut">
               <a:rPr kumimoji="1" lang="ja-JP" altLang="en-US" smtClean="0"/>
-              <a:t>2020/4/2</a:t>
+              <a:t>2020/4/11</a:t>
             </a:fld>
             <a:endParaRPr kumimoji="1" lang="ja-JP" altLang="en-US"/>
           </a:p>
@@ -2344,7 +2347,7 @@
           <a:p>
             <a:fld id="{85C2224E-383E-4FDB-91AD-1EF158CE8B36}" type="datetimeFigureOut">
               <a:rPr kumimoji="1" lang="ja-JP" altLang="en-US" smtClean="0"/>
-              <a:t>2020/4/2</a:t>
+              <a:t>2020/4/11</a:t>
             </a:fld>
             <a:endParaRPr kumimoji="1" lang="ja-JP" altLang="en-US"/>
           </a:p>
@@ -2596,7 +2599,7 @@
           <a:p>
             <a:fld id="{85C2224E-383E-4FDB-91AD-1EF158CE8B36}" type="datetimeFigureOut">
               <a:rPr kumimoji="1" lang="ja-JP" altLang="en-US" smtClean="0"/>
-              <a:t>2020/4/2</a:t>
+              <a:t>2020/4/11</a:t>
             </a:fld>
             <a:endParaRPr kumimoji="1" lang="ja-JP" altLang="en-US"/>
           </a:p>
@@ -2839,7 +2842,7 @@
           <a:p>
             <a:fld id="{85C2224E-383E-4FDB-91AD-1EF158CE8B36}" type="datetimeFigureOut">
               <a:rPr kumimoji="1" lang="ja-JP" altLang="en-US" smtClean="0"/>
-              <a:t>2020/4/2</a:t>
+              <a:t>2020/4/11</a:t>
             </a:fld>
             <a:endParaRPr kumimoji="1" lang="ja-JP" altLang="en-US"/>
           </a:p>
@@ -3324,6 +3327,2631 @@
 </p:sld>
 </file>
 
+<file path=ppt/slides/slide10.xml><?xml version="1.0" encoding="utf-8"?>
+<p:sld xmlns:a="http://schemas.openxmlformats.org/drawingml/2006/main" xmlns:r="http://schemas.openxmlformats.org/officeDocument/2006/relationships" xmlns:p="http://schemas.openxmlformats.org/presentationml/2006/main">
+  <p:cSld>
+    <p:spTree>
+      <p:nvGrpSpPr>
+        <p:cNvPr id="1" name=""/>
+        <p:cNvGrpSpPr/>
+        <p:nvPr/>
+      </p:nvGrpSpPr>
+      <p:grpSpPr>
+        <a:xfrm>
+          <a:off x="0" y="0"/>
+          <a:ext cx="0" cy="0"/>
+          <a:chOff x="0" y="0"/>
+          <a:chExt cx="0" cy="0"/>
+        </a:xfrm>
+      </p:grpSpPr>
+      <p:sp>
+        <p:nvSpPr>
+          <p:cNvPr id="6" name="正方形/長方形 5"/>
+          <p:cNvSpPr/>
+          <p:nvPr/>
+        </p:nvSpPr>
+        <p:spPr>
+          <a:xfrm>
+            <a:off x="0" y="0"/>
+            <a:ext cx="12192000" cy="6858000"/>
+          </a:xfrm>
+          <a:prstGeom prst="rect">
+            <a:avLst/>
+          </a:prstGeom>
+          <a:solidFill>
+            <a:srgbClr val="C00000"/>
+          </a:solidFill>
+        </p:spPr>
+        <p:style>
+          <a:lnRef idx="2">
+            <a:schemeClr val="accent1">
+              <a:shade val="50000"/>
+            </a:schemeClr>
+          </a:lnRef>
+          <a:fillRef idx="1">
+            <a:schemeClr val="accent1"/>
+          </a:fillRef>
+          <a:effectRef idx="0">
+            <a:schemeClr val="accent1"/>
+          </a:effectRef>
+          <a:fontRef idx="minor">
+            <a:schemeClr val="lt1"/>
+          </a:fontRef>
+        </p:style>
+        <p:txBody>
+          <a:bodyPr rtlCol="0" anchor="ctr"/>
+          <a:lstStyle/>
+          <a:p>
+            <a:pPr algn="ctr"/>
+            <a:endParaRPr kumimoji="1" lang="ja-JP" altLang="en-US"/>
+          </a:p>
+        </p:txBody>
+      </p:sp>
+      <p:sp>
+        <p:nvSpPr>
+          <p:cNvPr id="5" name="角丸四角形 4"/>
+          <p:cNvSpPr/>
+          <p:nvPr/>
+        </p:nvSpPr>
+        <p:spPr>
+          <a:xfrm>
+            <a:off x="-2" y="0"/>
+            <a:ext cx="12192000" cy="6858000"/>
+          </a:xfrm>
+          <a:prstGeom prst="roundRect">
+            <a:avLst/>
+          </a:prstGeom>
+          <a:solidFill>
+            <a:schemeClr val="accent4">
+              <a:lumMod val="40000"/>
+              <a:lumOff val="60000"/>
+            </a:schemeClr>
+          </a:solidFill>
+        </p:spPr>
+        <p:style>
+          <a:lnRef idx="2">
+            <a:schemeClr val="accent1">
+              <a:shade val="50000"/>
+            </a:schemeClr>
+          </a:lnRef>
+          <a:fillRef idx="1">
+            <a:schemeClr val="accent1"/>
+          </a:fillRef>
+          <a:effectRef idx="0">
+            <a:schemeClr val="accent1"/>
+          </a:effectRef>
+          <a:fontRef idx="minor">
+            <a:schemeClr val="lt1"/>
+          </a:fontRef>
+        </p:style>
+        <p:txBody>
+          <a:bodyPr rtlCol="0" anchor="ctr"/>
+          <a:lstStyle/>
+          <a:p>
+            <a:pPr algn="ctr"/>
+            <a:endParaRPr kumimoji="1" lang="ja-JP" altLang="en-US"/>
+          </a:p>
+        </p:txBody>
+      </p:sp>
+      <p:sp>
+        <p:nvSpPr>
+          <p:cNvPr id="2" name="テキスト ボックス 1"/>
+          <p:cNvSpPr txBox="1"/>
+          <p:nvPr/>
+        </p:nvSpPr>
+        <p:spPr>
+          <a:xfrm>
+            <a:off x="4467188" y="358367"/>
+            <a:ext cx="3257623" cy="1015663"/>
+          </a:xfrm>
+          <a:prstGeom prst="rect">
+            <a:avLst/>
+          </a:prstGeom>
+          <a:solidFill>
+            <a:srgbClr val="FFFF00"/>
+          </a:solidFill>
+          <a:ln w="57150">
+            <a:solidFill>
+              <a:srgbClr val="00B050"/>
+            </a:solidFill>
+          </a:ln>
+        </p:spPr>
+        <p:txBody>
+          <a:bodyPr wrap="none" rtlCol="0">
+            <a:spAutoFit/>
+          </a:bodyPr>
+          <a:lstStyle/>
+          <a:p>
+            <a:r>
+              <a:rPr kumimoji="1" lang="ja-JP" altLang="en-US" sz="6000" dirty="0">
+                <a:latin typeface="HGP創英角ｺﾞｼｯｸUB" panose="020B0900000000000000" pitchFamily="50" charset="-128"/>
+                <a:ea typeface="HGP創英角ｺﾞｼｯｸUB" panose="020B0900000000000000" pitchFamily="50" charset="-128"/>
+              </a:rPr>
+              <a:t>ギミック１</a:t>
+            </a:r>
+          </a:p>
+        </p:txBody>
+      </p:sp>
+      <p:sp>
+        <p:nvSpPr>
+          <p:cNvPr id="8" name="テキスト ボックス 7">
+            <a:extLst>
+              <a:ext uri="{FF2B5EF4-FFF2-40B4-BE49-F238E27FC236}">
+                <a16:creationId xmlns:a16="http://schemas.microsoft.com/office/drawing/2014/main" id="{2E05E75B-961B-4651-AE23-0964C9B96682}"/>
+              </a:ext>
+            </a:extLst>
+          </p:cNvPr>
+          <p:cNvSpPr txBox="1"/>
+          <p:nvPr/>
+        </p:nvSpPr>
+        <p:spPr>
+          <a:xfrm>
+            <a:off x="1900515" y="1957413"/>
+            <a:ext cx="8390964" cy="523220"/>
+          </a:xfrm>
+          <a:prstGeom prst="rect">
+            <a:avLst/>
+          </a:prstGeom>
+          <a:noFill/>
+        </p:spPr>
+        <p:txBody>
+          <a:bodyPr wrap="square" rtlCol="0">
+            <a:spAutoFit/>
+          </a:bodyPr>
+          <a:lstStyle/>
+          <a:p>
+            <a:pPr algn="ctr"/>
+            <a:r>
+              <a:rPr kumimoji="1" lang="ja-JP" altLang="en-US" sz="2800" dirty="0">
+                <a:latin typeface="HGP創英角ｺﾞｼｯｸUB" panose="020B0900000000000000" pitchFamily="50" charset="-128"/>
+                <a:ea typeface="HGP創英角ｺﾞｼｯｸUB" panose="020B0900000000000000" pitchFamily="50" charset="-128"/>
+              </a:rPr>
+              <a:t>マッチを持った状態で草に目掛けて油を出すと燃える</a:t>
+            </a:r>
+          </a:p>
+        </p:txBody>
+      </p:sp>
+      <p:grpSp>
+        <p:nvGrpSpPr>
+          <p:cNvPr id="23" name="グループ化 22">
+            <a:extLst>
+              <a:ext uri="{FF2B5EF4-FFF2-40B4-BE49-F238E27FC236}">
+                <a16:creationId xmlns:a16="http://schemas.microsoft.com/office/drawing/2014/main" id="{6B212F71-D3BE-41D1-923F-3DCB12A97C6A}"/>
+              </a:ext>
+            </a:extLst>
+          </p:cNvPr>
+          <p:cNvGrpSpPr/>
+          <p:nvPr/>
+        </p:nvGrpSpPr>
+        <p:grpSpPr>
+          <a:xfrm>
+            <a:off x="1333309" y="3286632"/>
+            <a:ext cx="2166924" cy="1090736"/>
+            <a:chOff x="1333309" y="3286632"/>
+            <a:chExt cx="2166924" cy="1090736"/>
+          </a:xfrm>
+        </p:grpSpPr>
+        <p:pic>
+          <p:nvPicPr>
+            <p:cNvPr id="10" name="図 9">
+              <a:extLst>
+                <a:ext uri="{FF2B5EF4-FFF2-40B4-BE49-F238E27FC236}">
+                  <a16:creationId xmlns:a16="http://schemas.microsoft.com/office/drawing/2014/main" id="{DE64E696-1D33-45E0-AADF-2DB80B7662BE}"/>
+                </a:ext>
+              </a:extLst>
+            </p:cNvPr>
+            <p:cNvPicPr>
+              <a:picLocks noChangeAspect="1"/>
+            </p:cNvPicPr>
+            <p:nvPr/>
+          </p:nvPicPr>
+          <p:blipFill>
+            <a:blip r:embed="rId2" cstate="print">
+              <a:extLst>
+                <a:ext uri="{28A0092B-C50C-407E-A947-70E740481C1C}">
+                  <a14:useLocalDpi xmlns:a14="http://schemas.microsoft.com/office/drawing/2010/main" val="0"/>
+                </a:ext>
+              </a:extLst>
+            </a:blip>
+            <a:stretch>
+              <a:fillRect/>
+            </a:stretch>
+          </p:blipFill>
+          <p:spPr>
+            <a:xfrm>
+              <a:off x="2455845" y="3332980"/>
+              <a:ext cx="1044388" cy="1044388"/>
+            </a:xfrm>
+            <a:prstGeom prst="rect">
+              <a:avLst/>
+            </a:prstGeom>
+          </p:spPr>
+        </p:pic>
+        <p:pic>
+          <p:nvPicPr>
+            <p:cNvPr id="11" name="Picture 4" descr="葉っぱの上に乗った可愛い蛙（かえる）のイラスト | カエル イラスト ...">
+              <a:hlinkClick r:id="rId3"/>
+              <a:extLst>
+                <a:ext uri="{FF2B5EF4-FFF2-40B4-BE49-F238E27FC236}">
+                  <a16:creationId xmlns:a16="http://schemas.microsoft.com/office/drawing/2014/main" id="{BC3D8687-1437-4A59-8CFB-AE1C0D8401F6}"/>
+                </a:ext>
+              </a:extLst>
+            </p:cNvPr>
+            <p:cNvPicPr>
+              <a:picLocks noChangeAspect="1" noChangeArrowheads="1"/>
+            </p:cNvPicPr>
+            <p:nvPr/>
+          </p:nvPicPr>
+          <p:blipFill>
+            <a:blip r:embed="rId4" cstate="print">
+              <a:extLst>
+                <a:ext uri="{28A0092B-C50C-407E-A947-70E740481C1C}">
+                  <a14:useLocalDpi xmlns:a14="http://schemas.microsoft.com/office/drawing/2010/main" val="0"/>
+                </a:ext>
+              </a:extLst>
+            </a:blip>
+            <a:srcRect/>
+            <a:stretch>
+              <a:fillRect/>
+            </a:stretch>
+          </p:blipFill>
+          <p:spPr bwMode="auto">
+            <a:xfrm>
+              <a:off x="1333309" y="3286632"/>
+              <a:ext cx="960602" cy="960602"/>
+            </a:xfrm>
+            <a:prstGeom prst="rect">
+              <a:avLst/>
+            </a:prstGeom>
+            <a:noFill/>
+            <a:extLst>
+              <a:ext uri="{909E8E84-426E-40DD-AFC4-6F175D3DCCD1}">
+                <a14:hiddenFill xmlns:a14="http://schemas.microsoft.com/office/drawing/2010/main">
+                  <a:solidFill>
+                    <a:srgbClr val="FFFFFF"/>
+                  </a:solidFill>
+                </a14:hiddenFill>
+              </a:ext>
+            </a:extLst>
+          </p:spPr>
+        </p:pic>
+        <p:sp>
+          <p:nvSpPr>
+            <p:cNvPr id="12" name="フローチャート: 論理積ゲート 11">
+              <a:extLst>
+                <a:ext uri="{FF2B5EF4-FFF2-40B4-BE49-F238E27FC236}">
+                  <a16:creationId xmlns:a16="http://schemas.microsoft.com/office/drawing/2014/main" id="{01A735E8-D1D5-42FB-ABFA-CDE384660AAA}"/>
+                </a:ext>
+              </a:extLst>
+            </p:cNvPr>
+            <p:cNvSpPr/>
+            <p:nvPr/>
+          </p:nvSpPr>
+          <p:spPr>
+            <a:xfrm>
+              <a:off x="1826368" y="3618025"/>
+              <a:ext cx="805367" cy="69139"/>
+            </a:xfrm>
+            <a:prstGeom prst="flowChartDelay">
+              <a:avLst/>
+            </a:prstGeom>
+            <a:solidFill>
+              <a:srgbClr val="FF0066"/>
+            </a:solidFill>
+            <a:ln>
+              <a:noFill/>
+            </a:ln>
+          </p:spPr>
+          <p:style>
+            <a:lnRef idx="2">
+              <a:schemeClr val="accent1">
+                <a:shade val="50000"/>
+              </a:schemeClr>
+            </a:lnRef>
+            <a:fillRef idx="1">
+              <a:schemeClr val="accent1"/>
+            </a:fillRef>
+            <a:effectRef idx="0">
+              <a:schemeClr val="accent1"/>
+            </a:effectRef>
+            <a:fontRef idx="minor">
+              <a:schemeClr val="lt1"/>
+            </a:fontRef>
+          </p:style>
+          <p:txBody>
+            <a:bodyPr rtlCol="0" anchor="t"/>
+            <a:lstStyle>
+              <a:lvl1pPr marL="0" indent="0">
+                <a:defRPr sz="1100">
+                  <a:solidFill>
+                    <a:schemeClr val="lt1"/>
+                  </a:solidFill>
+                  <a:latin typeface="+mn-lt"/>
+                  <a:ea typeface="+mn-ea"/>
+                  <a:cs typeface="+mn-cs"/>
+                </a:defRPr>
+              </a:lvl1pPr>
+              <a:lvl2pPr marL="457200" indent="0">
+                <a:defRPr sz="1100">
+                  <a:solidFill>
+                    <a:schemeClr val="lt1"/>
+                  </a:solidFill>
+                  <a:latin typeface="+mn-lt"/>
+                  <a:ea typeface="+mn-ea"/>
+                  <a:cs typeface="+mn-cs"/>
+                </a:defRPr>
+              </a:lvl2pPr>
+              <a:lvl3pPr marL="914400" indent="0">
+                <a:defRPr sz="1100">
+                  <a:solidFill>
+                    <a:schemeClr val="lt1"/>
+                  </a:solidFill>
+                  <a:latin typeface="+mn-lt"/>
+                  <a:ea typeface="+mn-ea"/>
+                  <a:cs typeface="+mn-cs"/>
+                </a:defRPr>
+              </a:lvl3pPr>
+              <a:lvl4pPr marL="1371600" indent="0">
+                <a:defRPr sz="1100">
+                  <a:solidFill>
+                    <a:schemeClr val="lt1"/>
+                  </a:solidFill>
+                  <a:latin typeface="+mn-lt"/>
+                  <a:ea typeface="+mn-ea"/>
+                  <a:cs typeface="+mn-cs"/>
+                </a:defRPr>
+              </a:lvl4pPr>
+              <a:lvl5pPr marL="1828800" indent="0">
+                <a:defRPr sz="1100">
+                  <a:solidFill>
+                    <a:schemeClr val="lt1"/>
+                  </a:solidFill>
+                  <a:latin typeface="+mn-lt"/>
+                  <a:ea typeface="+mn-ea"/>
+                  <a:cs typeface="+mn-cs"/>
+                </a:defRPr>
+              </a:lvl5pPr>
+              <a:lvl6pPr marL="2286000" indent="0">
+                <a:defRPr sz="1100">
+                  <a:solidFill>
+                    <a:schemeClr val="lt1"/>
+                  </a:solidFill>
+                  <a:latin typeface="+mn-lt"/>
+                  <a:ea typeface="+mn-ea"/>
+                  <a:cs typeface="+mn-cs"/>
+                </a:defRPr>
+              </a:lvl6pPr>
+              <a:lvl7pPr marL="2743200" indent="0">
+                <a:defRPr sz="1100">
+                  <a:solidFill>
+                    <a:schemeClr val="lt1"/>
+                  </a:solidFill>
+                  <a:latin typeface="+mn-lt"/>
+                  <a:ea typeface="+mn-ea"/>
+                  <a:cs typeface="+mn-cs"/>
+                </a:defRPr>
+              </a:lvl7pPr>
+              <a:lvl8pPr marL="3200400" indent="0">
+                <a:defRPr sz="1100">
+                  <a:solidFill>
+                    <a:schemeClr val="lt1"/>
+                  </a:solidFill>
+                  <a:latin typeface="+mn-lt"/>
+                  <a:ea typeface="+mn-ea"/>
+                  <a:cs typeface="+mn-cs"/>
+                </a:defRPr>
+              </a:lvl8pPr>
+              <a:lvl9pPr marL="3657600" indent="0">
+                <a:defRPr sz="1100">
+                  <a:solidFill>
+                    <a:schemeClr val="lt1"/>
+                  </a:solidFill>
+                  <a:latin typeface="+mn-lt"/>
+                  <a:ea typeface="+mn-ea"/>
+                  <a:cs typeface="+mn-cs"/>
+                </a:defRPr>
+              </a:lvl9pPr>
+            </a:lstStyle>
+            <a:p>
+              <a:pPr algn="l"/>
+              <a:endParaRPr kumimoji="1" lang="ja-JP" altLang="en-US" sz="1100">
+                <a:solidFill>
+                  <a:srgbClr val="FF5050"/>
+                </a:solidFill>
+              </a:endParaRPr>
+            </a:p>
+          </p:txBody>
+        </p:sp>
+      </p:grpSp>
+      <p:sp>
+        <p:nvSpPr>
+          <p:cNvPr id="15" name="矢印: 右 14">
+            <a:extLst>
+              <a:ext uri="{FF2B5EF4-FFF2-40B4-BE49-F238E27FC236}">
+                <a16:creationId xmlns:a16="http://schemas.microsoft.com/office/drawing/2014/main" id="{D406B9C3-C13C-424D-BACC-EF6967881527}"/>
+              </a:ext>
+            </a:extLst>
+          </p:cNvPr>
+          <p:cNvSpPr/>
+          <p:nvPr/>
+        </p:nvSpPr>
+        <p:spPr>
+          <a:xfrm>
+            <a:off x="4310485" y="3618025"/>
+            <a:ext cx="878541" cy="342695"/>
+          </a:xfrm>
+          <a:prstGeom prst="rightArrow">
+            <a:avLst/>
+          </a:prstGeom>
+          <a:solidFill>
+            <a:schemeClr val="tx1"/>
+          </a:solidFill>
+          <a:ln>
+            <a:noFill/>
+          </a:ln>
+        </p:spPr>
+        <p:style>
+          <a:lnRef idx="2">
+            <a:schemeClr val="accent1">
+              <a:shade val="50000"/>
+            </a:schemeClr>
+          </a:lnRef>
+          <a:fillRef idx="1">
+            <a:schemeClr val="accent1"/>
+          </a:fillRef>
+          <a:effectRef idx="0">
+            <a:schemeClr val="accent1"/>
+          </a:effectRef>
+          <a:fontRef idx="minor">
+            <a:schemeClr val="lt1"/>
+          </a:fontRef>
+        </p:style>
+        <p:txBody>
+          <a:bodyPr rtlCol="0" anchor="ctr"/>
+          <a:lstStyle/>
+          <a:p>
+            <a:pPr algn="ctr"/>
+            <a:endParaRPr kumimoji="1" lang="ja-JP" altLang="en-US">
+              <a:solidFill>
+                <a:schemeClr val="tx1"/>
+              </a:solidFill>
+            </a:endParaRPr>
+          </a:p>
+        </p:txBody>
+      </p:sp>
+      <p:grpSp>
+        <p:nvGrpSpPr>
+          <p:cNvPr id="21" name="グループ化 20">
+            <a:extLst>
+              <a:ext uri="{FF2B5EF4-FFF2-40B4-BE49-F238E27FC236}">
+                <a16:creationId xmlns:a16="http://schemas.microsoft.com/office/drawing/2014/main" id="{56390A39-CFDB-4A9B-B69E-334E07D189A0}"/>
+              </a:ext>
+            </a:extLst>
+          </p:cNvPr>
+          <p:cNvGrpSpPr/>
+          <p:nvPr/>
+        </p:nvGrpSpPr>
+        <p:grpSpPr>
+          <a:xfrm>
+            <a:off x="5518977" y="3043586"/>
+            <a:ext cx="2853981" cy="1394460"/>
+            <a:chOff x="5518977" y="3043586"/>
+            <a:chExt cx="2853981" cy="1394460"/>
+          </a:xfrm>
+        </p:grpSpPr>
+        <p:pic>
+          <p:nvPicPr>
+            <p:cNvPr id="7" name="図 6">
+              <a:extLst>
+                <a:ext uri="{FF2B5EF4-FFF2-40B4-BE49-F238E27FC236}">
+                  <a16:creationId xmlns:a16="http://schemas.microsoft.com/office/drawing/2014/main" id="{A4FBA566-AD27-4D73-9DE7-0BEDF6DAD2FD}"/>
+                </a:ext>
+              </a:extLst>
+            </p:cNvPr>
+            <p:cNvPicPr>
+              <a:picLocks noChangeAspect="1"/>
+            </p:cNvPicPr>
+            <p:nvPr/>
+          </p:nvPicPr>
+          <p:blipFill>
+            <a:blip r:embed="rId5" cstate="print">
+              <a:extLst>
+                <a:ext uri="{28A0092B-C50C-407E-A947-70E740481C1C}">
+                  <a14:useLocalDpi xmlns:a14="http://schemas.microsoft.com/office/drawing/2010/main" val="0"/>
+                </a:ext>
+              </a:extLst>
+            </a:blip>
+            <a:stretch>
+              <a:fillRect/>
+            </a:stretch>
+          </p:blipFill>
+          <p:spPr>
+            <a:xfrm>
+              <a:off x="7252818" y="3317906"/>
+              <a:ext cx="1120140" cy="1120140"/>
+            </a:xfrm>
+            <a:prstGeom prst="rect">
+              <a:avLst/>
+            </a:prstGeom>
+          </p:spPr>
+        </p:pic>
+        <p:pic>
+          <p:nvPicPr>
+            <p:cNvPr id="16" name="Picture 4" descr="葉っぱの上に乗った可愛い蛙（かえる）のイラスト | カエル イラスト ...">
+              <a:hlinkClick r:id="rId3"/>
+              <a:extLst>
+                <a:ext uri="{FF2B5EF4-FFF2-40B4-BE49-F238E27FC236}">
+                  <a16:creationId xmlns:a16="http://schemas.microsoft.com/office/drawing/2014/main" id="{21090D2D-62A2-472C-B20F-9C7BCA714429}"/>
+                </a:ext>
+              </a:extLst>
+            </p:cNvPr>
+            <p:cNvPicPr>
+              <a:picLocks noChangeAspect="1" noChangeArrowheads="1"/>
+            </p:cNvPicPr>
+            <p:nvPr/>
+          </p:nvPicPr>
+          <p:blipFill>
+            <a:blip r:embed="rId4" cstate="print">
+              <a:extLst>
+                <a:ext uri="{28A0092B-C50C-407E-A947-70E740481C1C}">
+                  <a14:useLocalDpi xmlns:a14="http://schemas.microsoft.com/office/drawing/2010/main" val="0"/>
+                </a:ext>
+              </a:extLst>
+            </a:blip>
+            <a:srcRect/>
+            <a:stretch>
+              <a:fillRect/>
+            </a:stretch>
+          </p:blipFill>
+          <p:spPr bwMode="auto">
+            <a:xfrm>
+              <a:off x="5518977" y="3421976"/>
+              <a:ext cx="960602" cy="960602"/>
+            </a:xfrm>
+            <a:prstGeom prst="rect">
+              <a:avLst/>
+            </a:prstGeom>
+            <a:noFill/>
+            <a:extLst>
+              <a:ext uri="{909E8E84-426E-40DD-AFC4-6F175D3DCCD1}">
+                <a14:hiddenFill xmlns:a14="http://schemas.microsoft.com/office/drawing/2010/main">
+                  <a:solidFill>
+                    <a:srgbClr val="FFFFFF"/>
+                  </a:solidFill>
+                </a14:hiddenFill>
+              </a:ext>
+            </a:extLst>
+          </p:spPr>
+        </p:pic>
+        <p:sp>
+          <p:nvSpPr>
+            <p:cNvPr id="17" name="フローチャート: 結合子 16">
+              <a:extLst>
+                <a:ext uri="{FF2B5EF4-FFF2-40B4-BE49-F238E27FC236}">
+                  <a16:creationId xmlns:a16="http://schemas.microsoft.com/office/drawing/2014/main" id="{40627C36-6A02-441D-8F6E-0F70B97E5389}"/>
+                </a:ext>
+              </a:extLst>
+            </p:cNvPr>
+            <p:cNvSpPr/>
+            <p:nvPr/>
+          </p:nvSpPr>
+          <p:spPr>
+            <a:xfrm>
+              <a:off x="6679074" y="3043586"/>
+              <a:ext cx="563880" cy="548640"/>
+            </a:xfrm>
+            <a:prstGeom prst="flowChartConnector">
+              <a:avLst/>
+            </a:prstGeom>
+            <a:solidFill>
+              <a:srgbClr val="AE660E"/>
+            </a:solidFill>
+            <a:ln>
+              <a:solidFill>
+                <a:schemeClr val="accent2">
+                  <a:lumMod val="50000"/>
+                </a:schemeClr>
+              </a:solidFill>
+            </a:ln>
+          </p:spPr>
+          <p:style>
+            <a:lnRef idx="2">
+              <a:schemeClr val="accent1">
+                <a:shade val="50000"/>
+              </a:schemeClr>
+            </a:lnRef>
+            <a:fillRef idx="1">
+              <a:schemeClr val="accent1"/>
+            </a:fillRef>
+            <a:effectRef idx="0">
+              <a:schemeClr val="accent1"/>
+            </a:effectRef>
+            <a:fontRef idx="minor">
+              <a:schemeClr val="lt1"/>
+            </a:fontRef>
+          </p:style>
+          <p:txBody>
+            <a:bodyPr rtlCol="0" anchor="t"/>
+            <a:lstStyle>
+              <a:lvl1pPr marL="0" indent="0">
+                <a:defRPr sz="1100">
+                  <a:solidFill>
+                    <a:schemeClr val="lt1"/>
+                  </a:solidFill>
+                  <a:latin typeface="+mn-lt"/>
+                  <a:ea typeface="+mn-ea"/>
+                  <a:cs typeface="+mn-cs"/>
+                </a:defRPr>
+              </a:lvl1pPr>
+              <a:lvl2pPr marL="457200" indent="0">
+                <a:defRPr sz="1100">
+                  <a:solidFill>
+                    <a:schemeClr val="lt1"/>
+                  </a:solidFill>
+                  <a:latin typeface="+mn-lt"/>
+                  <a:ea typeface="+mn-ea"/>
+                  <a:cs typeface="+mn-cs"/>
+                </a:defRPr>
+              </a:lvl2pPr>
+              <a:lvl3pPr marL="914400" indent="0">
+                <a:defRPr sz="1100">
+                  <a:solidFill>
+                    <a:schemeClr val="lt1"/>
+                  </a:solidFill>
+                  <a:latin typeface="+mn-lt"/>
+                  <a:ea typeface="+mn-ea"/>
+                  <a:cs typeface="+mn-cs"/>
+                </a:defRPr>
+              </a:lvl3pPr>
+              <a:lvl4pPr marL="1371600" indent="0">
+                <a:defRPr sz="1100">
+                  <a:solidFill>
+                    <a:schemeClr val="lt1"/>
+                  </a:solidFill>
+                  <a:latin typeface="+mn-lt"/>
+                  <a:ea typeface="+mn-ea"/>
+                  <a:cs typeface="+mn-cs"/>
+                </a:defRPr>
+              </a:lvl4pPr>
+              <a:lvl5pPr marL="1828800" indent="0">
+                <a:defRPr sz="1100">
+                  <a:solidFill>
+                    <a:schemeClr val="lt1"/>
+                  </a:solidFill>
+                  <a:latin typeface="+mn-lt"/>
+                  <a:ea typeface="+mn-ea"/>
+                  <a:cs typeface="+mn-cs"/>
+                </a:defRPr>
+              </a:lvl5pPr>
+              <a:lvl6pPr marL="2286000" indent="0">
+                <a:defRPr sz="1100">
+                  <a:solidFill>
+                    <a:schemeClr val="lt1"/>
+                  </a:solidFill>
+                  <a:latin typeface="+mn-lt"/>
+                  <a:ea typeface="+mn-ea"/>
+                  <a:cs typeface="+mn-cs"/>
+                </a:defRPr>
+              </a:lvl6pPr>
+              <a:lvl7pPr marL="2743200" indent="0">
+                <a:defRPr sz="1100">
+                  <a:solidFill>
+                    <a:schemeClr val="lt1"/>
+                  </a:solidFill>
+                  <a:latin typeface="+mn-lt"/>
+                  <a:ea typeface="+mn-ea"/>
+                  <a:cs typeface="+mn-cs"/>
+                </a:defRPr>
+              </a:lvl7pPr>
+              <a:lvl8pPr marL="3200400" indent="0">
+                <a:defRPr sz="1100">
+                  <a:solidFill>
+                    <a:schemeClr val="lt1"/>
+                  </a:solidFill>
+                  <a:latin typeface="+mn-lt"/>
+                  <a:ea typeface="+mn-ea"/>
+                  <a:cs typeface="+mn-cs"/>
+                </a:defRPr>
+              </a:lvl8pPr>
+              <a:lvl9pPr marL="3657600" indent="0">
+                <a:defRPr sz="1100">
+                  <a:solidFill>
+                    <a:schemeClr val="lt1"/>
+                  </a:solidFill>
+                  <a:latin typeface="+mn-lt"/>
+                  <a:ea typeface="+mn-ea"/>
+                  <a:cs typeface="+mn-cs"/>
+                </a:defRPr>
+              </a:lvl9pPr>
+            </a:lstStyle>
+            <a:p>
+              <a:pPr algn="ctr"/>
+              <a:r>
+                <a:rPr lang="ja-JP" altLang="en-US" dirty="0">
+                  <a:latin typeface="HGP創英角ｺﾞｼｯｸUB" panose="020B0900000000000000" pitchFamily="50" charset="-128"/>
+                  <a:ea typeface="HGP創英角ｺﾞｼｯｸUB" panose="020B0900000000000000" pitchFamily="50" charset="-128"/>
+                </a:rPr>
+                <a:t>油</a:t>
+              </a:r>
+              <a:endParaRPr kumimoji="1" lang="ja-JP" altLang="en-US" sz="1100" dirty="0">
+                <a:latin typeface="HGP創英角ｺﾞｼｯｸUB" panose="020B0900000000000000" pitchFamily="50" charset="-128"/>
+                <a:ea typeface="HGP創英角ｺﾞｼｯｸUB" panose="020B0900000000000000" pitchFamily="50" charset="-128"/>
+              </a:endParaRPr>
+            </a:p>
+          </p:txBody>
+        </p:sp>
+      </p:grpSp>
+      <p:sp>
+        <p:nvSpPr>
+          <p:cNvPr id="18" name="矢印: 上向き折線 17">
+            <a:extLst>
+              <a:ext uri="{FF2B5EF4-FFF2-40B4-BE49-F238E27FC236}">
+                <a16:creationId xmlns:a16="http://schemas.microsoft.com/office/drawing/2014/main" id="{CDEA582A-7E7C-4DA8-A6F6-5BAEA559784D}"/>
+              </a:ext>
+            </a:extLst>
+          </p:cNvPr>
+          <p:cNvSpPr/>
+          <p:nvPr/>
+        </p:nvSpPr>
+        <p:spPr>
+          <a:xfrm rot="5400000">
+            <a:off x="7357070" y="4750883"/>
+            <a:ext cx="911635" cy="1048871"/>
+          </a:xfrm>
+          <a:prstGeom prst="bentUpArrow">
+            <a:avLst/>
+          </a:prstGeom>
+          <a:solidFill>
+            <a:schemeClr val="tx1"/>
+          </a:solidFill>
+          <a:ln>
+            <a:noFill/>
+          </a:ln>
+        </p:spPr>
+        <p:style>
+          <a:lnRef idx="2">
+            <a:schemeClr val="accent1">
+              <a:shade val="50000"/>
+            </a:schemeClr>
+          </a:lnRef>
+          <a:fillRef idx="1">
+            <a:schemeClr val="accent1"/>
+          </a:fillRef>
+          <a:effectRef idx="0">
+            <a:schemeClr val="accent1"/>
+          </a:effectRef>
+          <a:fontRef idx="minor">
+            <a:schemeClr val="lt1"/>
+          </a:fontRef>
+        </p:style>
+        <p:txBody>
+          <a:bodyPr rtlCol="0" anchor="ctr"/>
+          <a:lstStyle/>
+          <a:p>
+            <a:pPr algn="ctr"/>
+            <a:endParaRPr kumimoji="1" lang="ja-JP" altLang="en-US"/>
+          </a:p>
+        </p:txBody>
+      </p:sp>
+      <p:grpSp>
+        <p:nvGrpSpPr>
+          <p:cNvPr id="22" name="グループ化 21">
+            <a:extLst>
+              <a:ext uri="{FF2B5EF4-FFF2-40B4-BE49-F238E27FC236}">
+                <a16:creationId xmlns:a16="http://schemas.microsoft.com/office/drawing/2014/main" id="{157BC05F-E277-4448-8C00-74284D489BE7}"/>
+              </a:ext>
+            </a:extLst>
+          </p:cNvPr>
+          <p:cNvGrpSpPr/>
+          <p:nvPr/>
+        </p:nvGrpSpPr>
+        <p:grpSpPr>
+          <a:xfrm>
+            <a:off x="8736768" y="4559588"/>
+            <a:ext cx="1894779" cy="1800941"/>
+            <a:chOff x="8736768" y="4559588"/>
+            <a:chExt cx="1894779" cy="1800941"/>
+          </a:xfrm>
+        </p:grpSpPr>
+        <p:pic>
+          <p:nvPicPr>
+            <p:cNvPr id="19" name="図 18">
+              <a:extLst>
+                <a:ext uri="{FF2B5EF4-FFF2-40B4-BE49-F238E27FC236}">
+                  <a16:creationId xmlns:a16="http://schemas.microsoft.com/office/drawing/2014/main" id="{43CE26C0-8495-4364-A354-6A5EA70AFF4C}"/>
+                </a:ext>
+              </a:extLst>
+            </p:cNvPr>
+            <p:cNvPicPr>
+              <a:picLocks noChangeAspect="1"/>
+            </p:cNvPicPr>
+            <p:nvPr/>
+          </p:nvPicPr>
+          <p:blipFill>
+            <a:blip r:embed="rId5" cstate="print">
+              <a:extLst>
+                <a:ext uri="{28A0092B-C50C-407E-A947-70E740481C1C}">
+                  <a14:useLocalDpi xmlns:a14="http://schemas.microsoft.com/office/drawing/2010/main" val="0"/>
+                </a:ext>
+              </a:extLst>
+            </a:blip>
+            <a:stretch>
+              <a:fillRect/>
+            </a:stretch>
+          </p:blipFill>
+          <p:spPr>
+            <a:xfrm>
+              <a:off x="8830606" y="4559588"/>
+              <a:ext cx="1800941" cy="1800941"/>
+            </a:xfrm>
+            <a:prstGeom prst="rect">
+              <a:avLst/>
+            </a:prstGeom>
+          </p:spPr>
+        </p:pic>
+        <p:pic>
+          <p:nvPicPr>
+            <p:cNvPr id="20" name="Picture 6" descr="火 | 無料イラスト素材｜素材ラボ">
+              <a:hlinkClick r:id="rId6"/>
+              <a:extLst>
+                <a:ext uri="{FF2B5EF4-FFF2-40B4-BE49-F238E27FC236}">
+                  <a16:creationId xmlns:a16="http://schemas.microsoft.com/office/drawing/2014/main" id="{431BAAAB-C68C-451C-B932-62AF7E5A0AED}"/>
+                </a:ext>
+              </a:extLst>
+            </p:cNvPr>
+            <p:cNvPicPr>
+              <a:picLocks noChangeAspect="1" noChangeArrowheads="1"/>
+            </p:cNvPicPr>
+            <p:nvPr/>
+          </p:nvPicPr>
+          <p:blipFill>
+            <a:blip r:embed="rId7" cstate="print">
+              <a:clrChange>
+                <a:clrFrom>
+                  <a:srgbClr val="FFFFFF"/>
+                </a:clrFrom>
+                <a:clrTo>
+                  <a:srgbClr val="FFFFFF">
+                    <a:alpha val="0"/>
+                  </a:srgbClr>
+                </a:clrTo>
+              </a:clrChange>
+              <a:extLst>
+                <a:ext uri="{28A0092B-C50C-407E-A947-70E740481C1C}">
+                  <a14:useLocalDpi xmlns:a14="http://schemas.microsoft.com/office/drawing/2010/main" val="0"/>
+                </a:ext>
+              </a:extLst>
+            </a:blip>
+            <a:srcRect/>
+            <a:stretch>
+              <a:fillRect/>
+            </a:stretch>
+          </p:blipFill>
+          <p:spPr bwMode="auto">
+            <a:xfrm>
+              <a:off x="8736768" y="4749516"/>
+              <a:ext cx="1894779" cy="1421084"/>
+            </a:xfrm>
+            <a:prstGeom prst="rect">
+              <a:avLst/>
+            </a:prstGeom>
+            <a:noFill/>
+            <a:ln>
+              <a:noFill/>
+            </a:ln>
+          </p:spPr>
+        </p:pic>
+      </p:grpSp>
+    </p:spTree>
+    <p:extLst>
+      <p:ext uri="{BB962C8B-B14F-4D97-AF65-F5344CB8AC3E}">
+        <p14:creationId xmlns:p14="http://schemas.microsoft.com/office/powerpoint/2010/main" val="3882204495"/>
+      </p:ext>
+    </p:extLst>
+  </p:cSld>
+  <p:clrMapOvr>
+    <a:masterClrMapping/>
+  </p:clrMapOvr>
+</p:sld>
+</file>
+
+<file path=ppt/slides/slide11.xml><?xml version="1.0" encoding="utf-8"?>
+<p:sld xmlns:a="http://schemas.openxmlformats.org/drawingml/2006/main" xmlns:r="http://schemas.openxmlformats.org/officeDocument/2006/relationships" xmlns:p="http://schemas.openxmlformats.org/presentationml/2006/main">
+  <p:cSld>
+    <p:spTree>
+      <p:nvGrpSpPr>
+        <p:cNvPr id="1" name=""/>
+        <p:cNvGrpSpPr/>
+        <p:nvPr/>
+      </p:nvGrpSpPr>
+      <p:grpSpPr>
+        <a:xfrm>
+          <a:off x="0" y="0"/>
+          <a:ext cx="0" cy="0"/>
+          <a:chOff x="0" y="0"/>
+          <a:chExt cx="0" cy="0"/>
+        </a:xfrm>
+      </p:grpSpPr>
+      <p:sp>
+        <p:nvSpPr>
+          <p:cNvPr id="6" name="正方形/長方形 5"/>
+          <p:cNvSpPr/>
+          <p:nvPr/>
+        </p:nvSpPr>
+        <p:spPr>
+          <a:xfrm>
+            <a:off x="0" y="0"/>
+            <a:ext cx="12192000" cy="6858000"/>
+          </a:xfrm>
+          <a:prstGeom prst="rect">
+            <a:avLst/>
+          </a:prstGeom>
+          <a:solidFill>
+            <a:srgbClr val="C00000"/>
+          </a:solidFill>
+        </p:spPr>
+        <p:style>
+          <a:lnRef idx="2">
+            <a:schemeClr val="accent1">
+              <a:shade val="50000"/>
+            </a:schemeClr>
+          </a:lnRef>
+          <a:fillRef idx="1">
+            <a:schemeClr val="accent1"/>
+          </a:fillRef>
+          <a:effectRef idx="0">
+            <a:schemeClr val="accent1"/>
+          </a:effectRef>
+          <a:fontRef idx="minor">
+            <a:schemeClr val="lt1"/>
+          </a:fontRef>
+        </p:style>
+        <p:txBody>
+          <a:bodyPr rtlCol="0" anchor="ctr"/>
+          <a:lstStyle/>
+          <a:p>
+            <a:pPr algn="ctr"/>
+            <a:endParaRPr kumimoji="1" lang="ja-JP" altLang="en-US"/>
+          </a:p>
+        </p:txBody>
+      </p:sp>
+      <p:sp>
+        <p:nvSpPr>
+          <p:cNvPr id="5" name="角丸四角形 4"/>
+          <p:cNvSpPr/>
+          <p:nvPr/>
+        </p:nvSpPr>
+        <p:spPr>
+          <a:xfrm>
+            <a:off x="0" y="0"/>
+            <a:ext cx="12192000" cy="6858000"/>
+          </a:xfrm>
+          <a:prstGeom prst="roundRect">
+            <a:avLst/>
+          </a:prstGeom>
+          <a:solidFill>
+            <a:schemeClr val="accent4">
+              <a:lumMod val="40000"/>
+              <a:lumOff val="60000"/>
+            </a:schemeClr>
+          </a:solidFill>
+        </p:spPr>
+        <p:style>
+          <a:lnRef idx="2">
+            <a:schemeClr val="accent1">
+              <a:shade val="50000"/>
+            </a:schemeClr>
+          </a:lnRef>
+          <a:fillRef idx="1">
+            <a:schemeClr val="accent1"/>
+          </a:fillRef>
+          <a:effectRef idx="0">
+            <a:schemeClr val="accent1"/>
+          </a:effectRef>
+          <a:fontRef idx="minor">
+            <a:schemeClr val="lt1"/>
+          </a:fontRef>
+        </p:style>
+        <p:txBody>
+          <a:bodyPr rtlCol="0" anchor="ctr"/>
+          <a:lstStyle/>
+          <a:p>
+            <a:pPr algn="ctr"/>
+            <a:endParaRPr kumimoji="1" lang="ja-JP" altLang="en-US"/>
+          </a:p>
+        </p:txBody>
+      </p:sp>
+      <p:sp>
+        <p:nvSpPr>
+          <p:cNvPr id="2" name="テキスト ボックス 1"/>
+          <p:cNvSpPr txBox="1"/>
+          <p:nvPr/>
+        </p:nvSpPr>
+        <p:spPr>
+          <a:xfrm>
+            <a:off x="4467188" y="234678"/>
+            <a:ext cx="3257623" cy="1015663"/>
+          </a:xfrm>
+          <a:prstGeom prst="rect">
+            <a:avLst/>
+          </a:prstGeom>
+          <a:solidFill>
+            <a:srgbClr val="FFFF00"/>
+          </a:solidFill>
+          <a:ln w="57150">
+            <a:solidFill>
+              <a:srgbClr val="00B050"/>
+            </a:solidFill>
+          </a:ln>
+        </p:spPr>
+        <p:txBody>
+          <a:bodyPr wrap="none" rtlCol="0">
+            <a:spAutoFit/>
+          </a:bodyPr>
+          <a:lstStyle/>
+          <a:p>
+            <a:r>
+              <a:rPr kumimoji="1" lang="ja-JP" altLang="en-US" sz="6000" dirty="0">
+                <a:latin typeface="HGP創英角ｺﾞｼｯｸUB" panose="020B0900000000000000" pitchFamily="50" charset="-128"/>
+                <a:ea typeface="HGP創英角ｺﾞｼｯｸUB" panose="020B0900000000000000" pitchFamily="50" charset="-128"/>
+              </a:rPr>
+              <a:t>ギミック２</a:t>
+            </a:r>
+          </a:p>
+        </p:txBody>
+      </p:sp>
+      <p:sp>
+        <p:nvSpPr>
+          <p:cNvPr id="3" name="テキスト ボックス 2">
+            <a:extLst>
+              <a:ext uri="{FF2B5EF4-FFF2-40B4-BE49-F238E27FC236}">
+                <a16:creationId xmlns:a16="http://schemas.microsoft.com/office/drawing/2014/main" id="{2ADBE9D4-FA24-4AAD-8077-B6145659D705}"/>
+              </a:ext>
+            </a:extLst>
+          </p:cNvPr>
+          <p:cNvSpPr txBox="1"/>
+          <p:nvPr/>
+        </p:nvSpPr>
+        <p:spPr>
+          <a:xfrm>
+            <a:off x="2281659" y="1571031"/>
+            <a:ext cx="7126941" cy="584775"/>
+          </a:xfrm>
+          <a:prstGeom prst="rect">
+            <a:avLst/>
+          </a:prstGeom>
+          <a:noFill/>
+        </p:spPr>
+        <p:txBody>
+          <a:bodyPr wrap="square" rtlCol="0">
+            <a:spAutoFit/>
+          </a:bodyPr>
+          <a:lstStyle/>
+          <a:p>
+            <a:pPr algn="ctr"/>
+            <a:r>
+              <a:rPr kumimoji="1" lang="ja-JP" altLang="en-US" sz="3200" dirty="0">
+                <a:latin typeface="HGP創英角ｺﾞｼｯｸUB" panose="020B0900000000000000" pitchFamily="50" charset="-128"/>
+                <a:ea typeface="HGP創英角ｺﾞｼｯｸUB" panose="020B0900000000000000" pitchFamily="50" charset="-128"/>
+              </a:rPr>
+              <a:t>ブロックに油をかけると滑るようになる</a:t>
+            </a:r>
+          </a:p>
+        </p:txBody>
+      </p:sp>
+      <p:grpSp>
+        <p:nvGrpSpPr>
+          <p:cNvPr id="11" name="グループ化 10">
+            <a:extLst>
+              <a:ext uri="{FF2B5EF4-FFF2-40B4-BE49-F238E27FC236}">
+                <a16:creationId xmlns:a16="http://schemas.microsoft.com/office/drawing/2014/main" id="{E641BD53-6760-4CDA-B733-BAF4AC0D5C4A}"/>
+              </a:ext>
+            </a:extLst>
+          </p:cNvPr>
+          <p:cNvGrpSpPr/>
+          <p:nvPr/>
+        </p:nvGrpSpPr>
+        <p:grpSpPr>
+          <a:xfrm>
+            <a:off x="1013153" y="2727974"/>
+            <a:ext cx="2537012" cy="1534538"/>
+            <a:chOff x="1942909" y="3059668"/>
+            <a:chExt cx="2537012" cy="1534538"/>
+          </a:xfrm>
+        </p:grpSpPr>
+        <p:pic>
+          <p:nvPicPr>
+            <p:cNvPr id="8" name="図 7" descr="建物, レンガ, ボックス が含まれている画像&#10;&#10;自動的に生成された説明">
+              <a:extLst>
+                <a:ext uri="{FF2B5EF4-FFF2-40B4-BE49-F238E27FC236}">
+                  <a16:creationId xmlns:a16="http://schemas.microsoft.com/office/drawing/2014/main" id="{ECAD4D4F-0E0B-4AAB-B2BE-CEF86CAACB30}"/>
+                </a:ext>
+              </a:extLst>
+            </p:cNvPr>
+            <p:cNvPicPr>
+              <a:picLocks noChangeAspect="1"/>
+            </p:cNvPicPr>
+            <p:nvPr/>
+          </p:nvPicPr>
+          <p:blipFill>
+            <a:blip r:embed="rId2" cstate="print">
+              <a:extLst>
+                <a:ext uri="{28A0092B-C50C-407E-A947-70E740481C1C}">
+                  <a14:useLocalDpi xmlns:a14="http://schemas.microsoft.com/office/drawing/2010/main" val="0"/>
+                </a:ext>
+              </a:extLst>
+            </a:blip>
+            <a:stretch>
+              <a:fillRect/>
+            </a:stretch>
+          </p:blipFill>
+          <p:spPr>
+            <a:xfrm>
+              <a:off x="2750484" y="3429000"/>
+              <a:ext cx="1251686" cy="1165206"/>
+            </a:xfrm>
+            <a:prstGeom prst="rect">
+              <a:avLst/>
+            </a:prstGeom>
+          </p:spPr>
+        </p:pic>
+        <p:pic>
+          <p:nvPicPr>
+            <p:cNvPr id="9" name="Picture 4" descr="葉っぱの上に乗った可愛い蛙（かえる）のイラスト | カエル イラスト ...">
+              <a:hlinkClick r:id="rId3"/>
+              <a:extLst>
+                <a:ext uri="{FF2B5EF4-FFF2-40B4-BE49-F238E27FC236}">
+                  <a16:creationId xmlns:a16="http://schemas.microsoft.com/office/drawing/2014/main" id="{CC996E39-A973-4AA9-8AAD-A2206B2A8B76}"/>
+                </a:ext>
+              </a:extLst>
+            </p:cNvPr>
+            <p:cNvPicPr>
+              <a:picLocks noChangeAspect="1" noChangeArrowheads="1"/>
+            </p:cNvPicPr>
+            <p:nvPr/>
+          </p:nvPicPr>
+          <p:blipFill>
+            <a:blip r:embed="rId4" cstate="print">
+              <a:extLst>
+                <a:ext uri="{28A0092B-C50C-407E-A947-70E740481C1C}">
+                  <a14:useLocalDpi xmlns:a14="http://schemas.microsoft.com/office/drawing/2010/main" val="0"/>
+                </a:ext>
+              </a:extLst>
+            </a:blip>
+            <a:srcRect/>
+            <a:stretch>
+              <a:fillRect/>
+            </a:stretch>
+          </p:blipFill>
+          <p:spPr bwMode="auto">
+            <a:xfrm>
+              <a:off x="1942909" y="3531302"/>
+              <a:ext cx="960602" cy="960602"/>
+            </a:xfrm>
+            <a:prstGeom prst="rect">
+              <a:avLst/>
+            </a:prstGeom>
+            <a:noFill/>
+            <a:extLst>
+              <a:ext uri="{909E8E84-426E-40DD-AFC4-6F175D3DCCD1}">
+                <a14:hiddenFill xmlns:a14="http://schemas.microsoft.com/office/drawing/2010/main">
+                  <a:solidFill>
+                    <a:srgbClr val="FFFFFF"/>
+                  </a:solidFill>
+                </a14:hiddenFill>
+              </a:ext>
+            </a:extLst>
+          </p:spPr>
+        </p:pic>
+        <p:sp>
+          <p:nvSpPr>
+            <p:cNvPr id="10" name="テキスト ボックス 9">
+              <a:extLst>
+                <a:ext uri="{FF2B5EF4-FFF2-40B4-BE49-F238E27FC236}">
+                  <a16:creationId xmlns:a16="http://schemas.microsoft.com/office/drawing/2014/main" id="{B42A336F-D16D-4D16-B043-5A6944CE646E}"/>
+                </a:ext>
+              </a:extLst>
+            </p:cNvPr>
+            <p:cNvSpPr txBox="1"/>
+            <p:nvPr/>
+          </p:nvSpPr>
+          <p:spPr>
+            <a:xfrm>
+              <a:off x="1942909" y="3059668"/>
+              <a:ext cx="2537012" cy="369332"/>
+            </a:xfrm>
+            <a:prstGeom prst="rect">
+              <a:avLst/>
+            </a:prstGeom>
+            <a:noFill/>
+          </p:spPr>
+          <p:txBody>
+            <a:bodyPr wrap="square" rtlCol="0">
+              <a:spAutoFit/>
+            </a:bodyPr>
+            <a:lstStyle/>
+            <a:p>
+              <a:pPr algn="ctr"/>
+              <a:r>
+                <a:rPr kumimoji="1" lang="ja-JP" altLang="en-US" dirty="0">
+                  <a:latin typeface="HGP明朝B" panose="02020800000000000000" pitchFamily="18" charset="-128"/>
+                  <a:ea typeface="HGP明朝B" panose="02020800000000000000" pitchFamily="18" charset="-128"/>
+                </a:rPr>
+                <a:t>そのままだと動かせない</a:t>
+              </a:r>
+            </a:p>
+          </p:txBody>
+        </p:sp>
+      </p:grpSp>
+      <p:sp>
+        <p:nvSpPr>
+          <p:cNvPr id="12" name="矢印: 右 11">
+            <a:extLst>
+              <a:ext uri="{FF2B5EF4-FFF2-40B4-BE49-F238E27FC236}">
+                <a16:creationId xmlns:a16="http://schemas.microsoft.com/office/drawing/2014/main" id="{C52A3B14-5449-4456-AB3D-E377C7921C5C}"/>
+              </a:ext>
+            </a:extLst>
+          </p:cNvPr>
+          <p:cNvSpPr/>
+          <p:nvPr/>
+        </p:nvSpPr>
+        <p:spPr>
+          <a:xfrm>
+            <a:off x="3550165" y="3541059"/>
+            <a:ext cx="824753" cy="185778"/>
+          </a:xfrm>
+          <a:prstGeom prst="rightArrow">
+            <a:avLst/>
+          </a:prstGeom>
+          <a:solidFill>
+            <a:schemeClr val="tx1"/>
+          </a:solidFill>
+          <a:ln>
+            <a:noFill/>
+          </a:ln>
+        </p:spPr>
+        <p:style>
+          <a:lnRef idx="2">
+            <a:schemeClr val="accent1">
+              <a:shade val="50000"/>
+            </a:schemeClr>
+          </a:lnRef>
+          <a:fillRef idx="1">
+            <a:schemeClr val="accent1"/>
+          </a:fillRef>
+          <a:effectRef idx="0">
+            <a:schemeClr val="accent1"/>
+          </a:effectRef>
+          <a:fontRef idx="minor">
+            <a:schemeClr val="lt1"/>
+          </a:fontRef>
+        </p:style>
+        <p:txBody>
+          <a:bodyPr rtlCol="0" anchor="ctr"/>
+          <a:lstStyle/>
+          <a:p>
+            <a:pPr algn="ctr"/>
+            <a:endParaRPr kumimoji="1" lang="ja-JP" altLang="en-US" dirty="0">
+              <a:solidFill>
+                <a:schemeClr val="tx1"/>
+              </a:solidFill>
+            </a:endParaRPr>
+          </a:p>
+        </p:txBody>
+      </p:sp>
+      <p:grpSp>
+        <p:nvGrpSpPr>
+          <p:cNvPr id="29" name="グループ化 28">
+            <a:extLst>
+              <a:ext uri="{FF2B5EF4-FFF2-40B4-BE49-F238E27FC236}">
+                <a16:creationId xmlns:a16="http://schemas.microsoft.com/office/drawing/2014/main" id="{7446D91C-A341-4308-A7A9-DF3BB20515B9}"/>
+              </a:ext>
+            </a:extLst>
+          </p:cNvPr>
+          <p:cNvGrpSpPr/>
+          <p:nvPr/>
+        </p:nvGrpSpPr>
+        <p:grpSpPr>
+          <a:xfrm>
+            <a:off x="4659215" y="2825683"/>
+            <a:ext cx="3573553" cy="1543614"/>
+            <a:chOff x="4659215" y="2825683"/>
+            <a:chExt cx="3573553" cy="1543614"/>
+          </a:xfrm>
+        </p:grpSpPr>
+        <p:pic>
+          <p:nvPicPr>
+            <p:cNvPr id="13" name="Picture 4" descr="葉っぱの上に乗った可愛い蛙（かえる）のイラスト | カエル イラスト ...">
+              <a:hlinkClick r:id="rId3"/>
+              <a:extLst>
+                <a:ext uri="{FF2B5EF4-FFF2-40B4-BE49-F238E27FC236}">
+                  <a16:creationId xmlns:a16="http://schemas.microsoft.com/office/drawing/2014/main" id="{F02F05F7-51BB-4AB6-AECC-6181AE333CAE}"/>
+                </a:ext>
+              </a:extLst>
+            </p:cNvPr>
+            <p:cNvPicPr>
+              <a:picLocks noChangeAspect="1" noChangeArrowheads="1"/>
+            </p:cNvPicPr>
+            <p:nvPr/>
+          </p:nvPicPr>
+          <p:blipFill>
+            <a:blip r:embed="rId4" cstate="print">
+              <a:extLst>
+                <a:ext uri="{28A0092B-C50C-407E-A947-70E740481C1C}">
+                  <a14:useLocalDpi xmlns:a14="http://schemas.microsoft.com/office/drawing/2010/main" val="0"/>
+                </a:ext>
+              </a:extLst>
+            </a:blip>
+            <a:srcRect/>
+            <a:stretch>
+              <a:fillRect/>
+            </a:stretch>
+          </p:blipFill>
+          <p:spPr bwMode="auto">
+            <a:xfrm>
+              <a:off x="4659215" y="3306393"/>
+              <a:ext cx="960602" cy="960602"/>
+            </a:xfrm>
+            <a:prstGeom prst="rect">
+              <a:avLst/>
+            </a:prstGeom>
+            <a:noFill/>
+            <a:extLst>
+              <a:ext uri="{909E8E84-426E-40DD-AFC4-6F175D3DCCD1}">
+                <a14:hiddenFill xmlns:a14="http://schemas.microsoft.com/office/drawing/2010/main">
+                  <a:solidFill>
+                    <a:srgbClr val="FFFFFF"/>
+                  </a:solidFill>
+                </a14:hiddenFill>
+              </a:ext>
+            </a:extLst>
+          </p:spPr>
+        </p:pic>
+        <p:pic>
+          <p:nvPicPr>
+            <p:cNvPr id="14" name="図 13" descr="建物, レンガ, ボックス が含まれている画像&#10;&#10;自動的に生成された説明">
+              <a:extLst>
+                <a:ext uri="{FF2B5EF4-FFF2-40B4-BE49-F238E27FC236}">
+                  <a16:creationId xmlns:a16="http://schemas.microsoft.com/office/drawing/2014/main" id="{6D4DBFDD-F5B8-4FCC-9F3F-44D46BDB3552}"/>
+                </a:ext>
+              </a:extLst>
+            </p:cNvPr>
+            <p:cNvPicPr>
+              <a:picLocks noChangeAspect="1"/>
+            </p:cNvPicPr>
+            <p:nvPr/>
+          </p:nvPicPr>
+          <p:blipFill>
+            <a:blip r:embed="rId2" cstate="print">
+              <a:extLst>
+                <a:ext uri="{28A0092B-C50C-407E-A947-70E740481C1C}">
+                  <a14:useLocalDpi xmlns:a14="http://schemas.microsoft.com/office/drawing/2010/main" val="0"/>
+                </a:ext>
+              </a:extLst>
+            </a:blip>
+            <a:stretch>
+              <a:fillRect/>
+            </a:stretch>
+          </p:blipFill>
+          <p:spPr>
+            <a:xfrm>
+              <a:off x="6096000" y="3204091"/>
+              <a:ext cx="1251686" cy="1165206"/>
+            </a:xfrm>
+            <a:prstGeom prst="rect">
+              <a:avLst/>
+            </a:prstGeom>
+          </p:spPr>
+        </p:pic>
+        <p:sp>
+          <p:nvSpPr>
+            <p:cNvPr id="15" name="フローチャート: 結合子 14">
+              <a:extLst>
+                <a:ext uri="{FF2B5EF4-FFF2-40B4-BE49-F238E27FC236}">
+                  <a16:creationId xmlns:a16="http://schemas.microsoft.com/office/drawing/2014/main" id="{159A4559-28D2-4079-AA25-327917A3AA8C}"/>
+                </a:ext>
+              </a:extLst>
+            </p:cNvPr>
+            <p:cNvSpPr/>
+            <p:nvPr/>
+          </p:nvSpPr>
+          <p:spPr>
+            <a:xfrm>
+              <a:off x="5730792" y="3010349"/>
+              <a:ext cx="563880" cy="548640"/>
+            </a:xfrm>
+            <a:prstGeom prst="flowChartConnector">
+              <a:avLst/>
+            </a:prstGeom>
+            <a:solidFill>
+              <a:srgbClr val="AE660E"/>
+            </a:solidFill>
+            <a:ln>
+              <a:solidFill>
+                <a:schemeClr val="accent2">
+                  <a:lumMod val="50000"/>
+                </a:schemeClr>
+              </a:solidFill>
+            </a:ln>
+          </p:spPr>
+          <p:style>
+            <a:lnRef idx="2">
+              <a:schemeClr val="accent1">
+                <a:shade val="50000"/>
+              </a:schemeClr>
+            </a:lnRef>
+            <a:fillRef idx="1">
+              <a:schemeClr val="accent1"/>
+            </a:fillRef>
+            <a:effectRef idx="0">
+              <a:schemeClr val="accent1"/>
+            </a:effectRef>
+            <a:fontRef idx="minor">
+              <a:schemeClr val="lt1"/>
+            </a:fontRef>
+          </p:style>
+          <p:txBody>
+            <a:bodyPr rtlCol="0" anchor="t"/>
+            <a:lstStyle>
+              <a:lvl1pPr marL="0" indent="0">
+                <a:defRPr sz="1100">
+                  <a:solidFill>
+                    <a:schemeClr val="lt1"/>
+                  </a:solidFill>
+                  <a:latin typeface="+mn-lt"/>
+                  <a:ea typeface="+mn-ea"/>
+                  <a:cs typeface="+mn-cs"/>
+                </a:defRPr>
+              </a:lvl1pPr>
+              <a:lvl2pPr marL="457200" indent="0">
+                <a:defRPr sz="1100">
+                  <a:solidFill>
+                    <a:schemeClr val="lt1"/>
+                  </a:solidFill>
+                  <a:latin typeface="+mn-lt"/>
+                  <a:ea typeface="+mn-ea"/>
+                  <a:cs typeface="+mn-cs"/>
+                </a:defRPr>
+              </a:lvl2pPr>
+              <a:lvl3pPr marL="914400" indent="0">
+                <a:defRPr sz="1100">
+                  <a:solidFill>
+                    <a:schemeClr val="lt1"/>
+                  </a:solidFill>
+                  <a:latin typeface="+mn-lt"/>
+                  <a:ea typeface="+mn-ea"/>
+                  <a:cs typeface="+mn-cs"/>
+                </a:defRPr>
+              </a:lvl3pPr>
+              <a:lvl4pPr marL="1371600" indent="0">
+                <a:defRPr sz="1100">
+                  <a:solidFill>
+                    <a:schemeClr val="lt1"/>
+                  </a:solidFill>
+                  <a:latin typeface="+mn-lt"/>
+                  <a:ea typeface="+mn-ea"/>
+                  <a:cs typeface="+mn-cs"/>
+                </a:defRPr>
+              </a:lvl4pPr>
+              <a:lvl5pPr marL="1828800" indent="0">
+                <a:defRPr sz="1100">
+                  <a:solidFill>
+                    <a:schemeClr val="lt1"/>
+                  </a:solidFill>
+                  <a:latin typeface="+mn-lt"/>
+                  <a:ea typeface="+mn-ea"/>
+                  <a:cs typeface="+mn-cs"/>
+                </a:defRPr>
+              </a:lvl5pPr>
+              <a:lvl6pPr marL="2286000" indent="0">
+                <a:defRPr sz="1100">
+                  <a:solidFill>
+                    <a:schemeClr val="lt1"/>
+                  </a:solidFill>
+                  <a:latin typeface="+mn-lt"/>
+                  <a:ea typeface="+mn-ea"/>
+                  <a:cs typeface="+mn-cs"/>
+                </a:defRPr>
+              </a:lvl6pPr>
+              <a:lvl7pPr marL="2743200" indent="0">
+                <a:defRPr sz="1100">
+                  <a:solidFill>
+                    <a:schemeClr val="lt1"/>
+                  </a:solidFill>
+                  <a:latin typeface="+mn-lt"/>
+                  <a:ea typeface="+mn-ea"/>
+                  <a:cs typeface="+mn-cs"/>
+                </a:defRPr>
+              </a:lvl7pPr>
+              <a:lvl8pPr marL="3200400" indent="0">
+                <a:defRPr sz="1100">
+                  <a:solidFill>
+                    <a:schemeClr val="lt1"/>
+                  </a:solidFill>
+                  <a:latin typeface="+mn-lt"/>
+                  <a:ea typeface="+mn-ea"/>
+                  <a:cs typeface="+mn-cs"/>
+                </a:defRPr>
+              </a:lvl8pPr>
+              <a:lvl9pPr marL="3657600" indent="0">
+                <a:defRPr sz="1100">
+                  <a:solidFill>
+                    <a:schemeClr val="lt1"/>
+                  </a:solidFill>
+                  <a:latin typeface="+mn-lt"/>
+                  <a:ea typeface="+mn-ea"/>
+                  <a:cs typeface="+mn-cs"/>
+                </a:defRPr>
+              </a:lvl9pPr>
+            </a:lstStyle>
+            <a:p>
+              <a:pPr algn="ctr"/>
+              <a:r>
+                <a:rPr lang="ja-JP" altLang="en-US" dirty="0">
+                  <a:latin typeface="HGP創英角ｺﾞｼｯｸUB" panose="020B0900000000000000" pitchFamily="50" charset="-128"/>
+                  <a:ea typeface="HGP創英角ｺﾞｼｯｸUB" panose="020B0900000000000000" pitchFamily="50" charset="-128"/>
+                </a:rPr>
+                <a:t>油</a:t>
+              </a:r>
+              <a:endParaRPr kumimoji="1" lang="ja-JP" altLang="en-US" sz="1100" dirty="0">
+                <a:latin typeface="HGP創英角ｺﾞｼｯｸUB" panose="020B0900000000000000" pitchFamily="50" charset="-128"/>
+                <a:ea typeface="HGP創英角ｺﾞｼｯｸUB" panose="020B0900000000000000" pitchFamily="50" charset="-128"/>
+              </a:endParaRPr>
+            </a:p>
+          </p:txBody>
+        </p:sp>
+        <p:sp>
+          <p:nvSpPr>
+            <p:cNvPr id="16" name="テキスト ボックス 15">
+              <a:extLst>
+                <a:ext uri="{FF2B5EF4-FFF2-40B4-BE49-F238E27FC236}">
+                  <a16:creationId xmlns:a16="http://schemas.microsoft.com/office/drawing/2014/main" id="{2CC3EEF4-E050-46BB-B647-33D81273A8B3}"/>
+                </a:ext>
+              </a:extLst>
+            </p:cNvPr>
+            <p:cNvSpPr txBox="1"/>
+            <p:nvPr/>
+          </p:nvSpPr>
+          <p:spPr>
+            <a:xfrm>
+              <a:off x="6462603" y="2825683"/>
+              <a:ext cx="1770165" cy="369332"/>
+            </a:xfrm>
+            <a:prstGeom prst="rect">
+              <a:avLst/>
+            </a:prstGeom>
+            <a:noFill/>
+          </p:spPr>
+          <p:txBody>
+            <a:bodyPr wrap="square" rtlCol="0">
+              <a:spAutoFit/>
+            </a:bodyPr>
+            <a:lstStyle/>
+            <a:p>
+              <a:pPr algn="ctr"/>
+              <a:r>
+                <a:rPr kumimoji="1" lang="ja-JP" altLang="en-US" dirty="0">
+                  <a:latin typeface="HGP明朝B" panose="02020800000000000000" pitchFamily="18" charset="-128"/>
+                  <a:ea typeface="HGP明朝B" panose="02020800000000000000" pitchFamily="18" charset="-128"/>
+                </a:rPr>
+                <a:t>油をかける</a:t>
+              </a:r>
+            </a:p>
+          </p:txBody>
+        </p:sp>
+      </p:grpSp>
+      <p:sp>
+        <p:nvSpPr>
+          <p:cNvPr id="17" name="矢印: 上向き折線 16">
+            <a:extLst>
+              <a:ext uri="{FF2B5EF4-FFF2-40B4-BE49-F238E27FC236}">
+                <a16:creationId xmlns:a16="http://schemas.microsoft.com/office/drawing/2014/main" id="{DF56E7F2-79E0-4E7D-97BE-82191D05CEF9}"/>
+              </a:ext>
+            </a:extLst>
+          </p:cNvPr>
+          <p:cNvSpPr/>
+          <p:nvPr/>
+        </p:nvSpPr>
+        <p:spPr>
+          <a:xfrm rot="5400000">
+            <a:off x="6259571" y="4542591"/>
+            <a:ext cx="584777" cy="1165206"/>
+          </a:xfrm>
+          <a:prstGeom prst="bentUpArrow">
+            <a:avLst/>
+          </a:prstGeom>
+          <a:solidFill>
+            <a:schemeClr val="tx1"/>
+          </a:solidFill>
+          <a:ln>
+            <a:noFill/>
+          </a:ln>
+        </p:spPr>
+        <p:style>
+          <a:lnRef idx="2">
+            <a:schemeClr val="accent1">
+              <a:shade val="50000"/>
+            </a:schemeClr>
+          </a:lnRef>
+          <a:fillRef idx="1">
+            <a:schemeClr val="accent1"/>
+          </a:fillRef>
+          <a:effectRef idx="0">
+            <a:schemeClr val="accent1"/>
+          </a:effectRef>
+          <a:fontRef idx="minor">
+            <a:schemeClr val="lt1"/>
+          </a:fontRef>
+        </p:style>
+        <p:txBody>
+          <a:bodyPr rtlCol="0" anchor="ctr"/>
+          <a:lstStyle/>
+          <a:p>
+            <a:pPr algn="ctr"/>
+            <a:endParaRPr kumimoji="1" lang="ja-JP" altLang="en-US"/>
+          </a:p>
+        </p:txBody>
+      </p:sp>
+      <p:grpSp>
+        <p:nvGrpSpPr>
+          <p:cNvPr id="28" name="グループ化 27">
+            <a:extLst>
+              <a:ext uri="{FF2B5EF4-FFF2-40B4-BE49-F238E27FC236}">
+                <a16:creationId xmlns:a16="http://schemas.microsoft.com/office/drawing/2014/main" id="{F7F019CE-DE23-4CCA-94AF-489517F8F8CA}"/>
+              </a:ext>
+            </a:extLst>
+          </p:cNvPr>
+          <p:cNvGrpSpPr/>
+          <p:nvPr/>
+        </p:nvGrpSpPr>
+        <p:grpSpPr>
+          <a:xfrm>
+            <a:off x="7269224" y="4172779"/>
+            <a:ext cx="4085685" cy="1535018"/>
+            <a:chOff x="7269224" y="4172779"/>
+            <a:chExt cx="4085685" cy="1535018"/>
+          </a:xfrm>
+        </p:grpSpPr>
+        <p:pic>
+          <p:nvPicPr>
+            <p:cNvPr id="18" name="図 17" descr="建物, レンガ, ボックス が含まれている画像&#10;&#10;自動的に生成された説明">
+              <a:extLst>
+                <a:ext uri="{FF2B5EF4-FFF2-40B4-BE49-F238E27FC236}">
+                  <a16:creationId xmlns:a16="http://schemas.microsoft.com/office/drawing/2014/main" id="{41C6E4D1-C44C-453F-A6A1-11034358FA64}"/>
+                </a:ext>
+              </a:extLst>
+            </p:cNvPr>
+            <p:cNvPicPr>
+              <a:picLocks noChangeAspect="1"/>
+            </p:cNvPicPr>
+            <p:nvPr/>
+          </p:nvPicPr>
+          <p:blipFill>
+            <a:blip r:embed="rId2" cstate="print">
+              <a:extLst>
+                <a:ext uri="{28A0092B-C50C-407E-A947-70E740481C1C}">
+                  <a14:useLocalDpi xmlns:a14="http://schemas.microsoft.com/office/drawing/2010/main" val="0"/>
+                </a:ext>
+              </a:extLst>
+            </a:blip>
+            <a:stretch>
+              <a:fillRect/>
+            </a:stretch>
+          </p:blipFill>
+          <p:spPr>
+            <a:xfrm>
+              <a:off x="8014447" y="4542591"/>
+              <a:ext cx="1251686" cy="1165206"/>
+            </a:xfrm>
+            <a:prstGeom prst="rect">
+              <a:avLst/>
+            </a:prstGeom>
+          </p:spPr>
+        </p:pic>
+        <p:pic>
+          <p:nvPicPr>
+            <p:cNvPr id="19" name="Picture 4" descr="葉っぱの上に乗った可愛い蛙（かえる）のイラスト | カエル イラスト ...">
+              <a:hlinkClick r:id="rId3"/>
+              <a:extLst>
+                <a:ext uri="{FF2B5EF4-FFF2-40B4-BE49-F238E27FC236}">
+                  <a16:creationId xmlns:a16="http://schemas.microsoft.com/office/drawing/2014/main" id="{87CBF258-7B40-4A40-A185-1D353D4E4767}"/>
+                </a:ext>
+              </a:extLst>
+            </p:cNvPr>
+            <p:cNvPicPr>
+              <a:picLocks noChangeAspect="1" noChangeArrowheads="1"/>
+            </p:cNvPicPr>
+            <p:nvPr/>
+          </p:nvPicPr>
+          <p:blipFill>
+            <a:blip r:embed="rId4" cstate="print">
+              <a:extLst>
+                <a:ext uri="{28A0092B-C50C-407E-A947-70E740481C1C}">
+                  <a14:useLocalDpi xmlns:a14="http://schemas.microsoft.com/office/drawing/2010/main" val="0"/>
+                </a:ext>
+              </a:extLst>
+            </a:blip>
+            <a:srcRect/>
+            <a:stretch>
+              <a:fillRect/>
+            </a:stretch>
+          </p:blipFill>
+          <p:spPr bwMode="auto">
+            <a:xfrm>
+              <a:off x="7269224" y="4714924"/>
+              <a:ext cx="960602" cy="960602"/>
+            </a:xfrm>
+            <a:prstGeom prst="rect">
+              <a:avLst/>
+            </a:prstGeom>
+            <a:noFill/>
+            <a:extLst>
+              <a:ext uri="{909E8E84-426E-40DD-AFC4-6F175D3DCCD1}">
+                <a14:hiddenFill xmlns:a14="http://schemas.microsoft.com/office/drawing/2010/main">
+                  <a:solidFill>
+                    <a:srgbClr val="FFFFFF"/>
+                  </a:solidFill>
+                </a14:hiddenFill>
+              </a:ext>
+            </a:extLst>
+          </p:spPr>
+        </p:pic>
+        <p:pic>
+          <p:nvPicPr>
+            <p:cNvPr id="20" name="図 19" descr="建物, レンガ, ボックス が含まれている画像&#10;&#10;自動的に生成された説明">
+              <a:extLst>
+                <a:ext uri="{FF2B5EF4-FFF2-40B4-BE49-F238E27FC236}">
+                  <a16:creationId xmlns:a16="http://schemas.microsoft.com/office/drawing/2014/main" id="{03742738-77BC-4C6B-8E20-F07475910976}"/>
+                </a:ext>
+              </a:extLst>
+            </p:cNvPr>
+            <p:cNvPicPr>
+              <a:picLocks noChangeAspect="1"/>
+            </p:cNvPicPr>
+            <p:nvPr/>
+          </p:nvPicPr>
+          <p:blipFill>
+            <a:blip r:embed="rId2" cstate="print">
+              <a:extLst>
+                <a:ext uri="{28A0092B-C50C-407E-A947-70E740481C1C}">
+                  <a14:useLocalDpi xmlns:a14="http://schemas.microsoft.com/office/drawing/2010/main" val="0"/>
+                </a:ext>
+              </a:extLst>
+            </a:blip>
+            <a:stretch>
+              <a:fillRect/>
+            </a:stretch>
+          </p:blipFill>
+          <p:spPr>
+            <a:xfrm>
+              <a:off x="10103223" y="4542591"/>
+              <a:ext cx="1251686" cy="1165206"/>
+            </a:xfrm>
+            <a:prstGeom prst="rect">
+              <a:avLst/>
+            </a:prstGeom>
+          </p:spPr>
+        </p:pic>
+        <p:cxnSp>
+          <p:nvCxnSpPr>
+            <p:cNvPr id="22" name="直線コネクタ 21">
+              <a:extLst>
+                <a:ext uri="{FF2B5EF4-FFF2-40B4-BE49-F238E27FC236}">
+                  <a16:creationId xmlns:a16="http://schemas.microsoft.com/office/drawing/2014/main" id="{F2F7D0FE-7C63-4B74-96BE-8A3F34C111CC}"/>
+                </a:ext>
+              </a:extLst>
+            </p:cNvPr>
+            <p:cNvCxnSpPr/>
+            <p:nvPr/>
+          </p:nvCxnSpPr>
+          <p:spPr>
+            <a:xfrm>
+              <a:off x="9408600" y="5002306"/>
+              <a:ext cx="501741" cy="0"/>
+            </a:xfrm>
+            <a:prstGeom prst="line">
+              <a:avLst/>
+            </a:prstGeom>
+            <a:ln>
+              <a:solidFill>
+                <a:schemeClr val="tx1"/>
+              </a:solidFill>
+            </a:ln>
+          </p:spPr>
+          <p:style>
+            <a:lnRef idx="1">
+              <a:schemeClr val="accent1"/>
+            </a:lnRef>
+            <a:fillRef idx="0">
+              <a:schemeClr val="accent1"/>
+            </a:fillRef>
+            <a:effectRef idx="0">
+              <a:schemeClr val="accent1"/>
+            </a:effectRef>
+            <a:fontRef idx="minor">
+              <a:schemeClr val="tx1"/>
+            </a:fontRef>
+          </p:style>
+        </p:cxnSp>
+        <p:cxnSp>
+          <p:nvCxnSpPr>
+            <p:cNvPr id="23" name="直線コネクタ 22">
+              <a:extLst>
+                <a:ext uri="{FF2B5EF4-FFF2-40B4-BE49-F238E27FC236}">
+                  <a16:creationId xmlns:a16="http://schemas.microsoft.com/office/drawing/2014/main" id="{CE96A278-6026-4AED-BFBC-EB324819A303}"/>
+                </a:ext>
+              </a:extLst>
+            </p:cNvPr>
+            <p:cNvCxnSpPr/>
+            <p:nvPr/>
+          </p:nvCxnSpPr>
+          <p:spPr>
+            <a:xfrm>
+              <a:off x="9408600" y="5177296"/>
+              <a:ext cx="501741" cy="0"/>
+            </a:xfrm>
+            <a:prstGeom prst="line">
+              <a:avLst/>
+            </a:prstGeom>
+            <a:ln>
+              <a:solidFill>
+                <a:schemeClr val="tx1"/>
+              </a:solidFill>
+            </a:ln>
+          </p:spPr>
+          <p:style>
+            <a:lnRef idx="1">
+              <a:schemeClr val="accent1"/>
+            </a:lnRef>
+            <a:fillRef idx="0">
+              <a:schemeClr val="accent1"/>
+            </a:fillRef>
+            <a:effectRef idx="0">
+              <a:schemeClr val="accent1"/>
+            </a:effectRef>
+            <a:fontRef idx="minor">
+              <a:schemeClr val="tx1"/>
+            </a:fontRef>
+          </p:style>
+        </p:cxnSp>
+        <p:cxnSp>
+          <p:nvCxnSpPr>
+            <p:cNvPr id="24" name="直線コネクタ 23">
+              <a:extLst>
+                <a:ext uri="{FF2B5EF4-FFF2-40B4-BE49-F238E27FC236}">
+                  <a16:creationId xmlns:a16="http://schemas.microsoft.com/office/drawing/2014/main" id="{DCB11126-FA86-4991-AC46-9DB05A9D8E08}"/>
+                </a:ext>
+              </a:extLst>
+            </p:cNvPr>
+            <p:cNvCxnSpPr/>
+            <p:nvPr/>
+          </p:nvCxnSpPr>
+          <p:spPr>
+            <a:xfrm>
+              <a:off x="9413082" y="5408618"/>
+              <a:ext cx="501741" cy="0"/>
+            </a:xfrm>
+            <a:prstGeom prst="line">
+              <a:avLst/>
+            </a:prstGeom>
+            <a:ln>
+              <a:solidFill>
+                <a:schemeClr val="tx1"/>
+              </a:solidFill>
+            </a:ln>
+          </p:spPr>
+          <p:style>
+            <a:lnRef idx="1">
+              <a:schemeClr val="accent1"/>
+            </a:lnRef>
+            <a:fillRef idx="0">
+              <a:schemeClr val="accent1"/>
+            </a:fillRef>
+            <a:effectRef idx="0">
+              <a:schemeClr val="accent1"/>
+            </a:effectRef>
+            <a:fontRef idx="minor">
+              <a:schemeClr val="tx1"/>
+            </a:fontRef>
+          </p:style>
+        </p:cxnSp>
+        <p:sp>
+          <p:nvSpPr>
+            <p:cNvPr id="26" name="テキスト ボックス 25">
+              <a:extLst>
+                <a:ext uri="{FF2B5EF4-FFF2-40B4-BE49-F238E27FC236}">
+                  <a16:creationId xmlns:a16="http://schemas.microsoft.com/office/drawing/2014/main" id="{BDAFCE5D-972A-45CA-8444-119FD2D016C5}"/>
+                </a:ext>
+              </a:extLst>
+            </p:cNvPr>
+            <p:cNvSpPr txBox="1"/>
+            <p:nvPr/>
+          </p:nvSpPr>
+          <p:spPr>
+            <a:xfrm>
+              <a:off x="8243774" y="4172779"/>
+              <a:ext cx="2831392" cy="369332"/>
+            </a:xfrm>
+            <a:prstGeom prst="rect">
+              <a:avLst/>
+            </a:prstGeom>
+            <a:noFill/>
+          </p:spPr>
+          <p:txBody>
+            <a:bodyPr wrap="square" rtlCol="0">
+              <a:spAutoFit/>
+            </a:bodyPr>
+            <a:lstStyle/>
+            <a:p>
+              <a:pPr algn="ctr"/>
+              <a:r>
+                <a:rPr lang="ja-JP" altLang="en-US" dirty="0">
+                  <a:latin typeface="HGP明朝B" panose="02020800000000000000" pitchFamily="18" charset="-128"/>
+                  <a:ea typeface="HGP明朝B" panose="02020800000000000000" pitchFamily="18" charset="-128"/>
+                </a:rPr>
+                <a:t>滑らせて動かせるようになる</a:t>
+              </a:r>
+              <a:endParaRPr kumimoji="1" lang="ja-JP" altLang="en-US" dirty="0">
+                <a:latin typeface="HGP明朝B" panose="02020800000000000000" pitchFamily="18" charset="-128"/>
+                <a:ea typeface="HGP明朝B" panose="02020800000000000000" pitchFamily="18" charset="-128"/>
+              </a:endParaRPr>
+            </a:p>
+          </p:txBody>
+        </p:sp>
+      </p:grpSp>
+    </p:spTree>
+    <p:extLst>
+      <p:ext uri="{BB962C8B-B14F-4D97-AF65-F5344CB8AC3E}">
+        <p14:creationId xmlns:p14="http://schemas.microsoft.com/office/powerpoint/2010/main" val="340749583"/>
+      </p:ext>
+    </p:extLst>
+  </p:cSld>
+  <p:clrMapOvr>
+    <a:masterClrMapping/>
+  </p:clrMapOvr>
+</p:sld>
+</file>
+
+<file path=ppt/slides/slide12.xml><?xml version="1.0" encoding="utf-8"?>
+<p:sld xmlns:a="http://schemas.openxmlformats.org/drawingml/2006/main" xmlns:r="http://schemas.openxmlformats.org/officeDocument/2006/relationships" xmlns:p="http://schemas.openxmlformats.org/presentationml/2006/main">
+  <p:cSld>
+    <p:spTree>
+      <p:nvGrpSpPr>
+        <p:cNvPr id="1" name=""/>
+        <p:cNvGrpSpPr/>
+        <p:nvPr/>
+      </p:nvGrpSpPr>
+      <p:grpSpPr>
+        <a:xfrm>
+          <a:off x="0" y="0"/>
+          <a:ext cx="0" cy="0"/>
+          <a:chOff x="0" y="0"/>
+          <a:chExt cx="0" cy="0"/>
+        </a:xfrm>
+      </p:grpSpPr>
+      <p:sp>
+        <p:nvSpPr>
+          <p:cNvPr id="6" name="正方形/長方形 5"/>
+          <p:cNvSpPr/>
+          <p:nvPr/>
+        </p:nvSpPr>
+        <p:spPr>
+          <a:xfrm>
+            <a:off x="0" y="0"/>
+            <a:ext cx="12192000" cy="6858000"/>
+          </a:xfrm>
+          <a:prstGeom prst="rect">
+            <a:avLst/>
+          </a:prstGeom>
+          <a:solidFill>
+            <a:srgbClr val="C00000"/>
+          </a:solidFill>
+        </p:spPr>
+        <p:style>
+          <a:lnRef idx="2">
+            <a:schemeClr val="accent1">
+              <a:shade val="50000"/>
+            </a:schemeClr>
+          </a:lnRef>
+          <a:fillRef idx="1">
+            <a:schemeClr val="accent1"/>
+          </a:fillRef>
+          <a:effectRef idx="0">
+            <a:schemeClr val="accent1"/>
+          </a:effectRef>
+          <a:fontRef idx="minor">
+            <a:schemeClr val="lt1"/>
+          </a:fontRef>
+        </p:style>
+        <p:txBody>
+          <a:bodyPr rtlCol="0" anchor="ctr"/>
+          <a:lstStyle/>
+          <a:p>
+            <a:pPr algn="ctr"/>
+            <a:endParaRPr kumimoji="1" lang="ja-JP" altLang="en-US"/>
+          </a:p>
+        </p:txBody>
+      </p:sp>
+      <p:sp>
+        <p:nvSpPr>
+          <p:cNvPr id="5" name="角丸四角形 4"/>
+          <p:cNvSpPr/>
+          <p:nvPr/>
+        </p:nvSpPr>
+        <p:spPr>
+          <a:xfrm>
+            <a:off x="0" y="0"/>
+            <a:ext cx="12192000" cy="6858000"/>
+          </a:xfrm>
+          <a:prstGeom prst="roundRect">
+            <a:avLst/>
+          </a:prstGeom>
+          <a:solidFill>
+            <a:schemeClr val="accent4">
+              <a:lumMod val="40000"/>
+              <a:lumOff val="60000"/>
+            </a:schemeClr>
+          </a:solidFill>
+        </p:spPr>
+        <p:style>
+          <a:lnRef idx="2">
+            <a:schemeClr val="accent1">
+              <a:shade val="50000"/>
+            </a:schemeClr>
+          </a:lnRef>
+          <a:fillRef idx="1">
+            <a:schemeClr val="accent1"/>
+          </a:fillRef>
+          <a:effectRef idx="0">
+            <a:schemeClr val="accent1"/>
+          </a:effectRef>
+          <a:fontRef idx="minor">
+            <a:schemeClr val="lt1"/>
+          </a:fontRef>
+        </p:style>
+        <p:txBody>
+          <a:bodyPr rtlCol="0" anchor="ctr"/>
+          <a:lstStyle/>
+          <a:p>
+            <a:pPr algn="ctr"/>
+            <a:endParaRPr kumimoji="1" lang="ja-JP" altLang="en-US"/>
+          </a:p>
+        </p:txBody>
+      </p:sp>
+      <p:sp>
+        <p:nvSpPr>
+          <p:cNvPr id="2" name="テキスト ボックス 1"/>
+          <p:cNvSpPr txBox="1"/>
+          <p:nvPr/>
+        </p:nvSpPr>
+        <p:spPr>
+          <a:xfrm>
+            <a:off x="4467188" y="322507"/>
+            <a:ext cx="3257623" cy="1015663"/>
+          </a:xfrm>
+          <a:prstGeom prst="rect">
+            <a:avLst/>
+          </a:prstGeom>
+          <a:solidFill>
+            <a:srgbClr val="FFFF00"/>
+          </a:solidFill>
+          <a:ln w="57150">
+            <a:solidFill>
+              <a:srgbClr val="00B050"/>
+            </a:solidFill>
+          </a:ln>
+        </p:spPr>
+        <p:txBody>
+          <a:bodyPr wrap="none" rtlCol="0">
+            <a:spAutoFit/>
+          </a:bodyPr>
+          <a:lstStyle/>
+          <a:p>
+            <a:r>
+              <a:rPr lang="ja-JP" altLang="en-US" sz="6000" dirty="0">
+                <a:latin typeface="HGP創英角ｺﾞｼｯｸUB" panose="020B0900000000000000" pitchFamily="50" charset="-128"/>
+                <a:ea typeface="HGP創英角ｺﾞｼｯｸUB" panose="020B0900000000000000" pitchFamily="50" charset="-128"/>
+              </a:rPr>
+              <a:t>ギミック３</a:t>
+            </a:r>
+            <a:endParaRPr kumimoji="1" lang="ja-JP" altLang="en-US" sz="6000" dirty="0">
+              <a:latin typeface="HGP創英角ｺﾞｼｯｸUB" panose="020B0900000000000000" pitchFamily="50" charset="-128"/>
+              <a:ea typeface="HGP創英角ｺﾞｼｯｸUB" panose="020B0900000000000000" pitchFamily="50" charset="-128"/>
+            </a:endParaRPr>
+          </a:p>
+        </p:txBody>
+      </p:sp>
+      <p:grpSp>
+        <p:nvGrpSpPr>
+          <p:cNvPr id="13" name="グループ化 12">
+            <a:extLst>
+              <a:ext uri="{FF2B5EF4-FFF2-40B4-BE49-F238E27FC236}">
+                <a16:creationId xmlns:a16="http://schemas.microsoft.com/office/drawing/2014/main" id="{4A798982-89C3-4242-8115-C6C3B008F586}"/>
+              </a:ext>
+            </a:extLst>
+          </p:cNvPr>
+          <p:cNvGrpSpPr/>
+          <p:nvPr/>
+        </p:nvGrpSpPr>
+        <p:grpSpPr>
+          <a:xfrm>
+            <a:off x="2190518" y="3128625"/>
+            <a:ext cx="7643662" cy="1639478"/>
+            <a:chOff x="2356339" y="2297763"/>
+            <a:chExt cx="7643662" cy="1639478"/>
+          </a:xfrm>
+        </p:grpSpPr>
+        <p:pic>
+          <p:nvPicPr>
+            <p:cNvPr id="7" name="Picture 4" descr="葉っぱの上に乗った可愛い蛙（かえる）のイラスト | カエル イラスト ...">
+              <a:hlinkClick r:id="rId2"/>
+              <a:extLst>
+                <a:ext uri="{FF2B5EF4-FFF2-40B4-BE49-F238E27FC236}">
+                  <a16:creationId xmlns:a16="http://schemas.microsoft.com/office/drawing/2014/main" id="{64A8F453-40AB-4D1A-B592-7968BD0E1D84}"/>
+                </a:ext>
+              </a:extLst>
+            </p:cNvPr>
+            <p:cNvPicPr>
+              <a:picLocks noChangeAspect="1" noChangeArrowheads="1"/>
+            </p:cNvPicPr>
+            <p:nvPr/>
+          </p:nvPicPr>
+          <p:blipFill>
+            <a:blip r:embed="rId3" cstate="print">
+              <a:extLst>
+                <a:ext uri="{28A0092B-C50C-407E-A947-70E740481C1C}">
+                  <a14:useLocalDpi xmlns:a14="http://schemas.microsoft.com/office/drawing/2010/main" val="0"/>
+                </a:ext>
+              </a:extLst>
+            </a:blip>
+            <a:srcRect/>
+            <a:stretch>
+              <a:fillRect/>
+            </a:stretch>
+          </p:blipFill>
+          <p:spPr bwMode="auto">
+            <a:xfrm>
+              <a:off x="2356339" y="2297763"/>
+              <a:ext cx="1541417" cy="1541417"/>
+            </a:xfrm>
+            <a:prstGeom prst="rect">
+              <a:avLst/>
+            </a:prstGeom>
+            <a:noFill/>
+            <a:extLst>
+              <a:ext uri="{909E8E84-426E-40DD-AFC4-6F175D3DCCD1}">
+                <a14:hiddenFill xmlns:a14="http://schemas.microsoft.com/office/drawing/2010/main">
+                  <a:solidFill>
+                    <a:srgbClr val="FFFFFF"/>
+                  </a:solidFill>
+                </a14:hiddenFill>
+              </a:ext>
+            </a:extLst>
+          </p:spPr>
+        </p:pic>
+        <p:pic>
+          <p:nvPicPr>
+            <p:cNvPr id="8" name="Picture 2" descr="白い背景に分離された油のドロップします。イラスト。 の写真素材 ...">
+              <a:hlinkClick r:id="rId4"/>
+              <a:extLst>
+                <a:ext uri="{FF2B5EF4-FFF2-40B4-BE49-F238E27FC236}">
+                  <a16:creationId xmlns:a16="http://schemas.microsoft.com/office/drawing/2014/main" id="{600FF177-292B-492B-BE6B-BAE22547526F}"/>
+                </a:ext>
+              </a:extLst>
+            </p:cNvPr>
+            <p:cNvPicPr>
+              <a:picLocks noChangeAspect="1" noChangeArrowheads="1"/>
+            </p:cNvPicPr>
+            <p:nvPr/>
+          </p:nvPicPr>
+          <p:blipFill>
+            <a:blip r:embed="rId5" cstate="print">
+              <a:clrChange>
+                <a:clrFrom>
+                  <a:srgbClr val="FFFFFF"/>
+                </a:clrFrom>
+                <a:clrTo>
+                  <a:srgbClr val="FFFFFF">
+                    <a:alpha val="0"/>
+                  </a:srgbClr>
+                </a:clrTo>
+              </a:clrChange>
+              <a:extLst>
+                <a:ext uri="{28A0092B-C50C-407E-A947-70E740481C1C}">
+                  <a14:useLocalDpi xmlns:a14="http://schemas.microsoft.com/office/drawing/2010/main" val="0"/>
+                </a:ext>
+              </a:extLst>
+            </a:blip>
+            <a:srcRect/>
+            <a:stretch>
+              <a:fillRect/>
+            </a:stretch>
+          </p:blipFill>
+          <p:spPr bwMode="auto">
+            <a:xfrm>
+              <a:off x="4482446" y="2539298"/>
+              <a:ext cx="1176893" cy="1299882"/>
+            </a:xfrm>
+            <a:prstGeom prst="rect">
+              <a:avLst/>
+            </a:prstGeom>
+            <a:noFill/>
+            <a:extLst>
+              <a:ext uri="{909E8E84-426E-40DD-AFC4-6F175D3DCCD1}">
+                <a14:hiddenFill xmlns:a14="http://schemas.microsoft.com/office/drawing/2010/main">
+                  <a:solidFill>
+                    <a:srgbClr val="FFFFFF"/>
+                  </a:solidFill>
+                </a14:hiddenFill>
+              </a:ext>
+            </a:extLst>
+          </p:spPr>
+        </p:pic>
+        <p:pic>
+          <p:nvPicPr>
+            <p:cNvPr id="9" name="Picture 6" descr="丸釘のイラスト｜はる道具｜道具｜素材のプチッチ">
+              <a:hlinkClick r:id="rId6"/>
+              <a:extLst>
+                <a:ext uri="{FF2B5EF4-FFF2-40B4-BE49-F238E27FC236}">
+                  <a16:creationId xmlns:a16="http://schemas.microsoft.com/office/drawing/2014/main" id="{5A049CB0-0E92-4D97-A681-101950B620D1}"/>
+                </a:ext>
+              </a:extLst>
+            </p:cNvPr>
+            <p:cNvPicPr>
+              <a:picLocks noChangeAspect="1" noChangeArrowheads="1"/>
+            </p:cNvPicPr>
+            <p:nvPr/>
+          </p:nvPicPr>
+          <p:blipFill>
+            <a:blip r:embed="rId7" cstate="print">
+              <a:extLst>
+                <a:ext uri="{28A0092B-C50C-407E-A947-70E740481C1C}">
+                  <a14:useLocalDpi xmlns:a14="http://schemas.microsoft.com/office/drawing/2010/main" val="0"/>
+                </a:ext>
+              </a:extLst>
+            </a:blip>
+            <a:srcRect/>
+            <a:stretch>
+              <a:fillRect/>
+            </a:stretch>
+          </p:blipFill>
+          <p:spPr bwMode="auto">
+            <a:xfrm>
+              <a:off x="5563709" y="2735421"/>
+              <a:ext cx="916306" cy="907636"/>
+            </a:xfrm>
+            <a:prstGeom prst="rect">
+              <a:avLst/>
+            </a:prstGeom>
+            <a:noFill/>
+            <a:extLst>
+              <a:ext uri="{909E8E84-426E-40DD-AFC4-6F175D3DCCD1}">
+                <a14:hiddenFill xmlns:a14="http://schemas.microsoft.com/office/drawing/2010/main">
+                  <a:solidFill>
+                    <a:srgbClr val="FFFFFF"/>
+                  </a:solidFill>
+                </a14:hiddenFill>
+              </a:ext>
+            </a:extLst>
+          </p:spPr>
+        </p:pic>
+        <p:pic>
+          <p:nvPicPr>
+            <p:cNvPr id="10" name="Picture 12" descr="錆びた釘のイラスト | かわいいフリー素材集 いらすとや">
+              <a:hlinkClick r:id="rId8"/>
+              <a:extLst>
+                <a:ext uri="{FF2B5EF4-FFF2-40B4-BE49-F238E27FC236}">
+                  <a16:creationId xmlns:a16="http://schemas.microsoft.com/office/drawing/2014/main" id="{3A1ED7BD-890B-4EBC-AA0C-D8FA727EC360}"/>
+                </a:ext>
+              </a:extLst>
+            </p:cNvPr>
+            <p:cNvPicPr>
+              <a:picLocks noChangeAspect="1" noChangeArrowheads="1"/>
+            </p:cNvPicPr>
+            <p:nvPr/>
+          </p:nvPicPr>
+          <p:blipFill>
+            <a:blip r:embed="rId9" cstate="print">
+              <a:extLst>
+                <a:ext uri="{28A0092B-C50C-407E-A947-70E740481C1C}">
+                  <a14:useLocalDpi xmlns:a14="http://schemas.microsoft.com/office/drawing/2010/main" val="0"/>
+                </a:ext>
+              </a:extLst>
+            </a:blip>
+            <a:srcRect/>
+            <a:stretch>
+              <a:fillRect/>
+            </a:stretch>
+          </p:blipFill>
+          <p:spPr bwMode="auto">
+            <a:xfrm>
+              <a:off x="8896242" y="2735420"/>
+              <a:ext cx="1103759" cy="1103759"/>
+            </a:xfrm>
+            <a:prstGeom prst="rect">
+              <a:avLst/>
+            </a:prstGeom>
+            <a:noFill/>
+            <a:extLst>
+              <a:ext uri="{909E8E84-426E-40DD-AFC4-6F175D3DCCD1}">
+                <a14:hiddenFill xmlns:a14="http://schemas.microsoft.com/office/drawing/2010/main">
+                  <a:solidFill>
+                    <a:srgbClr val="FFFFFF"/>
+                  </a:solidFill>
+                </a14:hiddenFill>
+              </a:ext>
+            </a:extLst>
+          </p:spPr>
+        </p:pic>
+        <p:pic>
+          <p:nvPicPr>
+            <p:cNvPr id="11" name="Picture 2" descr="白い背景に分離された油のドロップします。イラスト。 の写真素材 ...">
+              <a:hlinkClick r:id="rId4"/>
+              <a:extLst>
+                <a:ext uri="{FF2B5EF4-FFF2-40B4-BE49-F238E27FC236}">
+                  <a16:creationId xmlns:a16="http://schemas.microsoft.com/office/drawing/2014/main" id="{561E8F2D-4C53-4C12-B945-EDB864C2EA9A}"/>
+                </a:ext>
+              </a:extLst>
+            </p:cNvPr>
+            <p:cNvPicPr>
+              <a:picLocks noChangeAspect="1" noChangeArrowheads="1"/>
+            </p:cNvPicPr>
+            <p:nvPr/>
+          </p:nvPicPr>
+          <p:blipFill>
+            <a:blip r:embed="rId5" cstate="print">
+              <a:clrChange>
+                <a:clrFrom>
+                  <a:srgbClr val="FFFFFF"/>
+                </a:clrFrom>
+                <a:clrTo>
+                  <a:srgbClr val="FFFFFF">
+                    <a:alpha val="0"/>
+                  </a:srgbClr>
+                </a:clrTo>
+              </a:clrChange>
+              <a:extLst>
+                <a:ext uri="{28A0092B-C50C-407E-A947-70E740481C1C}">
+                  <a14:useLocalDpi xmlns:a14="http://schemas.microsoft.com/office/drawing/2010/main" val="0"/>
+                </a:ext>
+              </a:extLst>
+            </a:blip>
+            <a:srcRect/>
+            <a:stretch>
+              <a:fillRect/>
+            </a:stretch>
+          </p:blipFill>
+          <p:spPr bwMode="auto">
+            <a:xfrm>
+              <a:off x="7952314" y="2637359"/>
+              <a:ext cx="1176893" cy="1299882"/>
+            </a:xfrm>
+            <a:prstGeom prst="rect">
+              <a:avLst/>
+            </a:prstGeom>
+            <a:noFill/>
+            <a:extLst>
+              <a:ext uri="{909E8E84-426E-40DD-AFC4-6F175D3DCCD1}">
+                <a14:hiddenFill xmlns:a14="http://schemas.microsoft.com/office/drawing/2010/main">
+                  <a:solidFill>
+                    <a:srgbClr val="FFFFFF"/>
+                  </a:solidFill>
+                </a14:hiddenFill>
+              </a:ext>
+            </a:extLst>
+          </p:spPr>
+        </p:pic>
+        <p:sp>
+          <p:nvSpPr>
+            <p:cNvPr id="3" name="矢印: 右 2">
+              <a:extLst>
+                <a:ext uri="{FF2B5EF4-FFF2-40B4-BE49-F238E27FC236}">
+                  <a16:creationId xmlns:a16="http://schemas.microsoft.com/office/drawing/2014/main" id="{0E069123-FA99-450F-90D5-FF38019AB938}"/>
+                </a:ext>
+              </a:extLst>
+            </p:cNvPr>
+            <p:cNvSpPr/>
+            <p:nvPr/>
+          </p:nvSpPr>
+          <p:spPr>
+            <a:xfrm>
+              <a:off x="6920753" y="3287299"/>
+              <a:ext cx="804058" cy="206188"/>
+            </a:xfrm>
+            <a:prstGeom prst="rightArrow">
+              <a:avLst/>
+            </a:prstGeom>
+            <a:solidFill>
+              <a:schemeClr val="tx1"/>
+            </a:solidFill>
+            <a:ln>
+              <a:noFill/>
+            </a:ln>
+          </p:spPr>
+          <p:style>
+            <a:lnRef idx="2">
+              <a:schemeClr val="accent1">
+                <a:shade val="50000"/>
+              </a:schemeClr>
+            </a:lnRef>
+            <a:fillRef idx="1">
+              <a:schemeClr val="accent1"/>
+            </a:fillRef>
+            <a:effectRef idx="0">
+              <a:schemeClr val="accent1"/>
+            </a:effectRef>
+            <a:fontRef idx="minor">
+              <a:schemeClr val="lt1"/>
+            </a:fontRef>
+          </p:style>
+          <p:txBody>
+            <a:bodyPr rtlCol="0" anchor="ctr"/>
+            <a:lstStyle/>
+            <a:p>
+              <a:pPr algn="ctr"/>
+              <a:endParaRPr kumimoji="1" lang="ja-JP" altLang="en-US"/>
+            </a:p>
+          </p:txBody>
+        </p:sp>
+      </p:grpSp>
+      <p:sp>
+        <p:nvSpPr>
+          <p:cNvPr id="14" name="テキスト ボックス 13">
+            <a:extLst>
+              <a:ext uri="{FF2B5EF4-FFF2-40B4-BE49-F238E27FC236}">
+                <a16:creationId xmlns:a16="http://schemas.microsoft.com/office/drawing/2014/main" id="{AC97273C-B628-4682-9DE9-C44EC2B46099}"/>
+              </a:ext>
+            </a:extLst>
+          </p:cNvPr>
+          <p:cNvSpPr txBox="1"/>
+          <p:nvPr/>
+        </p:nvSpPr>
+        <p:spPr>
+          <a:xfrm>
+            <a:off x="2477868" y="1705303"/>
+            <a:ext cx="7236261" cy="1077218"/>
+          </a:xfrm>
+          <a:prstGeom prst="rect">
+            <a:avLst/>
+          </a:prstGeom>
+          <a:noFill/>
+        </p:spPr>
+        <p:txBody>
+          <a:bodyPr wrap="square" rtlCol="0">
+            <a:spAutoFit/>
+          </a:bodyPr>
+          <a:lstStyle/>
+          <a:p>
+            <a:pPr algn="ctr"/>
+            <a:r>
+              <a:rPr lang="ja-JP" altLang="en-US" sz="3200" b="1" dirty="0">
+                <a:latin typeface="HGP創英角ｺﾞｼｯｸUB" panose="020B0900000000000000" pitchFamily="50" charset="-128"/>
+                <a:ea typeface="HGP創英角ｺﾞｼｯｸUB" panose="020B0900000000000000" pitchFamily="50" charset="-128"/>
+              </a:rPr>
+              <a:t>油を物にかけることによって酸化させて</a:t>
+            </a:r>
+            <a:endParaRPr lang="en-US" altLang="ja-JP" sz="3200" b="1" dirty="0">
+              <a:latin typeface="HGP創英角ｺﾞｼｯｸUB" panose="020B0900000000000000" pitchFamily="50" charset="-128"/>
+              <a:ea typeface="HGP創英角ｺﾞｼｯｸUB" panose="020B0900000000000000" pitchFamily="50" charset="-128"/>
+            </a:endParaRPr>
+          </a:p>
+          <a:p>
+            <a:pPr algn="ctr"/>
+            <a:r>
+              <a:rPr lang="ja-JP" altLang="en-US" sz="3200" b="1" dirty="0">
+                <a:latin typeface="HGP創英角ｺﾞｼｯｸUB" panose="020B0900000000000000" pitchFamily="50" charset="-128"/>
+                <a:ea typeface="HGP創英角ｺﾞｼｯｸUB" panose="020B0900000000000000" pitchFamily="50" charset="-128"/>
+              </a:rPr>
+              <a:t>舌で攻撃すると破壊しやすくする</a:t>
+            </a:r>
+            <a:endParaRPr lang="en-US" altLang="ja-JP" sz="3200" b="1" dirty="0">
+              <a:latin typeface="HGP創英角ｺﾞｼｯｸUB" panose="020B0900000000000000" pitchFamily="50" charset="-128"/>
+              <a:ea typeface="HGP創英角ｺﾞｼｯｸUB" panose="020B0900000000000000" pitchFamily="50" charset="-128"/>
+            </a:endParaRPr>
+          </a:p>
+        </p:txBody>
+      </p:sp>
+      <p:sp>
+        <p:nvSpPr>
+          <p:cNvPr id="15" name="テキスト ボックス 14">
+            <a:extLst>
+              <a:ext uri="{FF2B5EF4-FFF2-40B4-BE49-F238E27FC236}">
+                <a16:creationId xmlns:a16="http://schemas.microsoft.com/office/drawing/2014/main" id="{DB9DF708-B443-439F-A564-8FA406630CBD}"/>
+              </a:ext>
+            </a:extLst>
+          </p:cNvPr>
+          <p:cNvSpPr txBox="1"/>
+          <p:nvPr/>
+        </p:nvSpPr>
+        <p:spPr>
+          <a:xfrm>
+            <a:off x="3442640" y="5077251"/>
+            <a:ext cx="6391540" cy="1569660"/>
+          </a:xfrm>
+          <a:prstGeom prst="rect">
+            <a:avLst/>
+          </a:prstGeom>
+          <a:noFill/>
+        </p:spPr>
+        <p:txBody>
+          <a:bodyPr wrap="square" rtlCol="0">
+            <a:spAutoFit/>
+          </a:bodyPr>
+          <a:lstStyle/>
+          <a:p>
+            <a:r>
+              <a:rPr kumimoji="1" lang="ja-JP" altLang="en-US" sz="2400" b="1" dirty="0">
+                <a:latin typeface="HGP明朝B" panose="02020800000000000000" pitchFamily="18" charset="-128"/>
+                <a:ea typeface="HGP明朝B" panose="02020800000000000000" pitchFamily="18" charset="-128"/>
+              </a:rPr>
+              <a:t>メリット</a:t>
+            </a:r>
+            <a:endParaRPr kumimoji="1" lang="en-US" altLang="ja-JP" sz="2400" b="1" dirty="0">
+              <a:latin typeface="HGP明朝B" panose="02020800000000000000" pitchFamily="18" charset="-128"/>
+              <a:ea typeface="HGP明朝B" panose="02020800000000000000" pitchFamily="18" charset="-128"/>
+            </a:endParaRPr>
+          </a:p>
+          <a:p>
+            <a:r>
+              <a:rPr lang="ja-JP" altLang="en-US" sz="2400" b="1" dirty="0">
+                <a:latin typeface="HGP明朝B" panose="02020800000000000000" pitchFamily="18" charset="-128"/>
+                <a:ea typeface="HGP明朝B" panose="02020800000000000000" pitchFamily="18" charset="-128"/>
+              </a:rPr>
+              <a:t>◎物を破壊できる</a:t>
+            </a:r>
+            <a:endParaRPr lang="en-US" altLang="ja-JP" sz="2400" b="1" dirty="0">
+              <a:latin typeface="HGP明朝B" panose="02020800000000000000" pitchFamily="18" charset="-128"/>
+              <a:ea typeface="HGP明朝B" panose="02020800000000000000" pitchFamily="18" charset="-128"/>
+            </a:endParaRPr>
+          </a:p>
+          <a:p>
+            <a:r>
+              <a:rPr kumimoji="1" lang="ja-JP" altLang="en-US" sz="2400" b="1" dirty="0">
+                <a:latin typeface="HGP明朝B" panose="02020800000000000000" pitchFamily="18" charset="-128"/>
+                <a:ea typeface="HGP明朝B" panose="02020800000000000000" pitchFamily="18" charset="-128"/>
+              </a:rPr>
+              <a:t>デメリット</a:t>
+            </a:r>
+            <a:endParaRPr kumimoji="1" lang="en-US" altLang="ja-JP" sz="2400" b="1" dirty="0">
+              <a:latin typeface="HGP明朝B" panose="02020800000000000000" pitchFamily="18" charset="-128"/>
+              <a:ea typeface="HGP明朝B" panose="02020800000000000000" pitchFamily="18" charset="-128"/>
+            </a:endParaRPr>
+          </a:p>
+          <a:p>
+            <a:r>
+              <a:rPr lang="en-US" altLang="ja-JP" sz="2400" b="1" dirty="0">
+                <a:latin typeface="HGP明朝B" panose="02020800000000000000" pitchFamily="18" charset="-128"/>
+                <a:ea typeface="HGP明朝B" panose="02020800000000000000" pitchFamily="18" charset="-128"/>
+              </a:rPr>
+              <a:t>×</a:t>
+            </a:r>
+            <a:r>
+              <a:rPr lang="ja-JP" altLang="en-US" sz="2400" b="1" dirty="0">
+                <a:latin typeface="HGP明朝B" panose="02020800000000000000" pitchFamily="18" charset="-128"/>
+                <a:ea typeface="HGP明朝B" panose="02020800000000000000" pitchFamily="18" charset="-128"/>
+              </a:rPr>
+              <a:t>破壊してはいけないものも破壊してしまう</a:t>
+            </a:r>
+            <a:endParaRPr kumimoji="1" lang="ja-JP" altLang="en-US" sz="2400" b="1" dirty="0">
+              <a:latin typeface="HGP明朝B" panose="02020800000000000000" pitchFamily="18" charset="-128"/>
+              <a:ea typeface="HGP明朝B" panose="02020800000000000000" pitchFamily="18" charset="-128"/>
+            </a:endParaRPr>
+          </a:p>
+        </p:txBody>
+      </p:sp>
+    </p:spTree>
+    <p:extLst>
+      <p:ext uri="{BB962C8B-B14F-4D97-AF65-F5344CB8AC3E}">
+        <p14:creationId xmlns:p14="http://schemas.microsoft.com/office/powerpoint/2010/main" val="3021128464"/>
+      </p:ext>
+    </p:extLst>
+  </p:cSld>
+  <p:clrMapOvr>
+    <a:masterClrMapping/>
+  </p:clrMapOvr>
+</p:sld>
+</file>
+
 <file path=ppt/slides/slide2.xml><?xml version="1.0" encoding="utf-8"?>
 <p:sld xmlns:a="http://schemas.openxmlformats.org/drawingml/2006/main" xmlns:r="http://schemas.openxmlformats.org/officeDocument/2006/relationships" xmlns:p="http://schemas.openxmlformats.org/presentationml/2006/main">
   <p:cSld>
